--- a/Portfolio-slides/Molecular graphs.pptx
+++ b/Portfolio-slides/Molecular graphs.pptx
@@ -6,6 +6,16 @@
   </p:sldMasterIdLst>
   <p:sldIdLst>
     <p:sldId id="256" r:id="rId2"/>
+    <p:sldId id="257" r:id="rId3"/>
+    <p:sldId id="260" r:id="rId4"/>
+    <p:sldId id="261" r:id="rId5"/>
+    <p:sldId id="259" r:id="rId6"/>
+    <p:sldId id="262" r:id="rId7"/>
+    <p:sldId id="263" r:id="rId8"/>
+    <p:sldId id="264" r:id="rId9"/>
+    <p:sldId id="266" r:id="rId10"/>
+    <p:sldId id="268" r:id="rId11"/>
+    <p:sldId id="270" r:id="rId12"/>
   </p:sldIdLst>
   <p:sldSz cx="12192000" cy="6858000"/>
   <p:notesSz cx="6858000" cy="9144000"/>
@@ -104,6 +114,11 @@
       </a:defRPr>
     </a:lvl9pPr>
   </p:defaultTextStyle>
+  <p:extLst>
+    <p:ext uri="{EFAFB233-063F-42B5-8137-9DF3F51BA10A}">
+      <p15:sldGuideLst xmlns:p15="http://schemas.microsoft.com/office/powerpoint/2012/main"/>
+    </p:ext>
+  </p:extLst>
 </p:presentation>
 </file>
 
@@ -254,7 +269,7 @@
           <a:p>
             <a:fld id="{7B73EA61-29F4-6E45-B2B5-AA1D16AC5CCD}" type="datetimeFigureOut">
               <a:rPr lang="da-DK" smtClean="0"/>
-              <a:t>17.12.2024</a:t>
+              <a:t>03-01-2025</a:t>
             </a:fld>
             <a:endParaRPr lang="da-DK"/>
           </a:p>
@@ -452,7 +467,7 @@
           <a:p>
             <a:fld id="{7B73EA61-29F4-6E45-B2B5-AA1D16AC5CCD}" type="datetimeFigureOut">
               <a:rPr lang="da-DK" smtClean="0"/>
-              <a:t>17.12.2024</a:t>
+              <a:t>03-01-2025</a:t>
             </a:fld>
             <a:endParaRPr lang="da-DK"/>
           </a:p>
@@ -660,7 +675,7 @@
           <a:p>
             <a:fld id="{7B73EA61-29F4-6E45-B2B5-AA1D16AC5CCD}" type="datetimeFigureOut">
               <a:rPr lang="da-DK" smtClean="0"/>
-              <a:t>17.12.2024</a:t>
+              <a:t>03-01-2025</a:t>
             </a:fld>
             <a:endParaRPr lang="da-DK"/>
           </a:p>
@@ -858,7 +873,7 @@
           <a:p>
             <a:fld id="{7B73EA61-29F4-6E45-B2B5-AA1D16AC5CCD}" type="datetimeFigureOut">
               <a:rPr lang="da-DK" smtClean="0"/>
-              <a:t>17.12.2024</a:t>
+              <a:t>03-01-2025</a:t>
             </a:fld>
             <a:endParaRPr lang="da-DK"/>
           </a:p>
@@ -1133,7 +1148,7 @@
           <a:p>
             <a:fld id="{7B73EA61-29F4-6E45-B2B5-AA1D16AC5CCD}" type="datetimeFigureOut">
               <a:rPr lang="da-DK" smtClean="0"/>
-              <a:t>17.12.2024</a:t>
+              <a:t>03-01-2025</a:t>
             </a:fld>
             <a:endParaRPr lang="da-DK"/>
           </a:p>
@@ -1398,7 +1413,7 @@
           <a:p>
             <a:fld id="{7B73EA61-29F4-6E45-B2B5-AA1D16AC5CCD}" type="datetimeFigureOut">
               <a:rPr lang="da-DK" smtClean="0"/>
-              <a:t>17.12.2024</a:t>
+              <a:t>03-01-2025</a:t>
             </a:fld>
             <a:endParaRPr lang="da-DK"/>
           </a:p>
@@ -1810,7 +1825,7 @@
           <a:p>
             <a:fld id="{7B73EA61-29F4-6E45-B2B5-AA1D16AC5CCD}" type="datetimeFigureOut">
               <a:rPr lang="da-DK" smtClean="0"/>
-              <a:t>17.12.2024</a:t>
+              <a:t>03-01-2025</a:t>
             </a:fld>
             <a:endParaRPr lang="da-DK"/>
           </a:p>
@@ -1951,7 +1966,7 @@
           <a:p>
             <a:fld id="{7B73EA61-29F4-6E45-B2B5-AA1D16AC5CCD}" type="datetimeFigureOut">
               <a:rPr lang="da-DK" smtClean="0"/>
-              <a:t>17.12.2024</a:t>
+              <a:t>03-01-2025</a:t>
             </a:fld>
             <a:endParaRPr lang="da-DK"/>
           </a:p>
@@ -2064,7 +2079,7 @@
           <a:p>
             <a:fld id="{7B73EA61-29F4-6E45-B2B5-AA1D16AC5CCD}" type="datetimeFigureOut">
               <a:rPr lang="da-DK" smtClean="0"/>
-              <a:t>17.12.2024</a:t>
+              <a:t>03-01-2025</a:t>
             </a:fld>
             <a:endParaRPr lang="da-DK"/>
           </a:p>
@@ -2375,7 +2390,7 @@
           <a:p>
             <a:fld id="{7B73EA61-29F4-6E45-B2B5-AA1D16AC5CCD}" type="datetimeFigureOut">
               <a:rPr lang="da-DK" smtClean="0"/>
-              <a:t>17.12.2024</a:t>
+              <a:t>03-01-2025</a:t>
             </a:fld>
             <a:endParaRPr lang="da-DK"/>
           </a:p>
@@ -2663,7 +2678,7 @@
           <a:p>
             <a:fld id="{7B73EA61-29F4-6E45-B2B5-AA1D16AC5CCD}" type="datetimeFigureOut">
               <a:rPr lang="da-DK" smtClean="0"/>
-              <a:t>17.12.2024</a:t>
+              <a:t>03-01-2025</a:t>
             </a:fld>
             <a:endParaRPr lang="da-DK"/>
           </a:p>
@@ -2904,7 +2919,7 @@
           <a:p>
             <a:fld id="{7B73EA61-29F4-6E45-B2B5-AA1D16AC5CCD}" type="datetimeFigureOut">
               <a:rPr lang="da-DK" smtClean="0"/>
-              <a:t>17.12.2024</a:t>
+              <a:t>03-01-2025</a:t>
             </a:fld>
             <a:endParaRPr lang="da-DK"/>
           </a:p>
@@ -3348,50 +3363,2840 @@
           <a:lstStyle/>
           <a:p>
             <a:r>
-              <a:rPr lang="da-DK" dirty="0" err="1"/>
+              <a:rPr lang="da-DK" dirty="0" err="1">
+                <a:latin typeface="Times New Roman" panose="02020603050405020304" pitchFamily="18" charset="0"/>
+                <a:cs typeface="Times New Roman" panose="02020603050405020304" pitchFamily="18" charset="0"/>
+              </a:rPr>
               <a:t>Molecular</a:t>
             </a:r>
             <a:r>
-              <a:rPr lang="da-DK" dirty="0"/>
+              <a:rPr lang="da-DK" dirty="0">
+                <a:latin typeface="Times New Roman" panose="02020603050405020304" pitchFamily="18" charset="0"/>
+                <a:cs typeface="Times New Roman" panose="02020603050405020304" pitchFamily="18" charset="0"/>
+              </a:rPr>
               <a:t> </a:t>
             </a:r>
             <a:r>
-              <a:rPr lang="da-DK" dirty="0" err="1"/>
+              <a:rPr lang="da-DK" dirty="0" err="1">
+                <a:latin typeface="Times New Roman" panose="02020603050405020304" pitchFamily="18" charset="0"/>
+                <a:cs typeface="Times New Roman" panose="02020603050405020304" pitchFamily="18" charset="0"/>
+              </a:rPr>
               <a:t>graphs</a:t>
             </a:r>
+            <a:endParaRPr lang="da-DK" dirty="0">
+              <a:latin typeface="Times New Roman" panose="02020603050405020304" pitchFamily="18" charset="0"/>
+              <a:cs typeface="Times New Roman" panose="02020603050405020304" pitchFamily="18" charset="0"/>
+            </a:endParaRPr>
+          </a:p>
+        </p:txBody>
+      </p:sp>
+      <p:sp>
+        <p:nvSpPr>
+          <p:cNvPr id="3" name="Undertitel 2">
+            <a:extLst>
+              <a:ext uri="{FF2B5EF4-FFF2-40B4-BE49-F238E27FC236}">
+                <a16:creationId xmlns:a16="http://schemas.microsoft.com/office/drawing/2014/main" id="{7B0A7CCF-7795-94DF-C5DC-85AC689039A1}"/>
+              </a:ext>
+            </a:extLst>
+          </p:cNvPr>
+          <p:cNvSpPr>
+            <a:spLocks noGrp="1"/>
+          </p:cNvSpPr>
+          <p:nvPr>
+            <p:ph type="subTitle" idx="1"/>
+          </p:nvPr>
+        </p:nvSpPr>
+        <p:spPr/>
+        <p:txBody>
+          <a:bodyPr/>
+          <a:lstStyle/>
+          <a:p>
             <a:endParaRPr lang="da-DK" dirty="0"/>
           </a:p>
         </p:txBody>
       </p:sp>
-      <p:sp>
-        <p:nvSpPr>
-          <p:cNvPr id="3" name="Undertitel 2">
-            <a:extLst>
-              <a:ext uri="{FF2B5EF4-FFF2-40B4-BE49-F238E27FC236}">
-                <a16:creationId xmlns:a16="http://schemas.microsoft.com/office/drawing/2014/main" id="{7B0A7CCF-7795-94DF-C5DC-85AC689039A1}"/>
-              </a:ext>
-            </a:extLst>
-          </p:cNvPr>
-          <p:cNvSpPr>
-            <a:spLocks noGrp="1"/>
-          </p:cNvSpPr>
-          <p:nvPr>
-            <p:ph type="subTitle" idx="1"/>
-          </p:nvPr>
-        </p:nvSpPr>
-        <p:spPr/>
-        <p:txBody>
-          <a:bodyPr/>
-          <a:lstStyle/>
-          <a:p>
-            <a:endParaRPr lang="da-DK" dirty="0"/>
-          </a:p>
-        </p:txBody>
-      </p:sp>
+      <p:pic>
+        <p:nvPicPr>
+          <p:cNvPr id="5" name="Billede 4">
+            <a:extLst>
+              <a:ext uri="{FF2B5EF4-FFF2-40B4-BE49-F238E27FC236}">
+                <a16:creationId xmlns:a16="http://schemas.microsoft.com/office/drawing/2014/main" id="{D0F72D5E-5484-C077-6643-D2EDF50418C1}"/>
+              </a:ext>
+            </a:extLst>
+          </p:cNvPr>
+          <p:cNvPicPr>
+            <a:picLocks noChangeAspect="1"/>
+          </p:cNvPicPr>
+          <p:nvPr/>
+        </p:nvPicPr>
+        <p:blipFill>
+          <a:blip r:embed="rId2"/>
+          <a:stretch>
+            <a:fillRect/>
+          </a:stretch>
+        </p:blipFill>
+        <p:spPr>
+          <a:xfrm>
+            <a:off x="8173516" y="2789853"/>
+            <a:ext cx="8036968" cy="2948474"/>
+          </a:xfrm>
+          <a:prstGeom prst="rect">
+            <a:avLst/>
+          </a:prstGeom>
+        </p:spPr>
+      </p:pic>
+      <p:pic>
+        <p:nvPicPr>
+          <p:cNvPr id="7" name="Billede 6">
+            <a:extLst>
+              <a:ext uri="{FF2B5EF4-FFF2-40B4-BE49-F238E27FC236}">
+                <a16:creationId xmlns:a16="http://schemas.microsoft.com/office/drawing/2014/main" id="{6A555F2A-C7D7-2573-669B-65A3A8E7C3D8}"/>
+              </a:ext>
+            </a:extLst>
+          </p:cNvPr>
+          <p:cNvPicPr>
+            <a:picLocks noChangeAspect="1"/>
+          </p:cNvPicPr>
+          <p:nvPr/>
+        </p:nvPicPr>
+        <p:blipFill>
+          <a:blip r:embed="rId3"/>
+          <a:stretch>
+            <a:fillRect/>
+          </a:stretch>
+        </p:blipFill>
+        <p:spPr>
+          <a:xfrm>
+            <a:off x="110105" y="2289286"/>
+            <a:ext cx="7426951" cy="6858000"/>
+          </a:xfrm>
+          <a:prstGeom prst="rect">
+            <a:avLst/>
+          </a:prstGeom>
+        </p:spPr>
+      </p:pic>
     </p:spTree>
     <p:extLst>
       <p:ext uri="{BB962C8B-B14F-4D97-AF65-F5344CB8AC3E}">
         <p14:creationId xmlns:p14="http://schemas.microsoft.com/office/powerpoint/2010/main" val="3259522478"/>
+      </p:ext>
+    </p:extLst>
+  </p:cSld>
+  <p:clrMapOvr>
+    <a:masterClrMapping/>
+  </p:clrMapOvr>
+</p:sld>
+</file>
+
+<file path=ppt/slides/slide10.xml><?xml version="1.0" encoding="utf-8"?>
+<p:sld xmlns:a="http://schemas.openxmlformats.org/drawingml/2006/main" xmlns:r="http://schemas.openxmlformats.org/officeDocument/2006/relationships" xmlns:p="http://schemas.openxmlformats.org/presentationml/2006/main">
+  <p:cSld>
+    <p:spTree>
+      <p:nvGrpSpPr>
+        <p:cNvPr id="1" name="">
+          <a:extLst>
+            <a:ext uri="{FF2B5EF4-FFF2-40B4-BE49-F238E27FC236}">
+              <a16:creationId xmlns:a16="http://schemas.microsoft.com/office/drawing/2014/main" id="{587D1176-267E-6966-E41D-370B73BF971E}"/>
+            </a:ext>
+          </a:extLst>
+        </p:cNvPr>
+        <p:cNvGrpSpPr/>
+        <p:nvPr/>
+      </p:nvGrpSpPr>
+      <p:grpSpPr>
+        <a:xfrm>
+          <a:off x="0" y="0"/>
+          <a:ext cx="0" cy="0"/>
+          <a:chOff x="0" y="0"/>
+          <a:chExt cx="0" cy="0"/>
+        </a:xfrm>
+      </p:grpSpPr>
+      <p:sp>
+        <p:nvSpPr>
+          <p:cNvPr id="2" name="Titel 1">
+            <a:extLst>
+              <a:ext uri="{FF2B5EF4-FFF2-40B4-BE49-F238E27FC236}">
+                <a16:creationId xmlns:a16="http://schemas.microsoft.com/office/drawing/2014/main" id="{A5E3E4F5-F069-72BB-8CAF-B3694C4508E5}"/>
+              </a:ext>
+            </a:extLst>
+          </p:cNvPr>
+          <p:cNvSpPr>
+            <a:spLocks noGrp="1"/>
+          </p:cNvSpPr>
+          <p:nvPr>
+            <p:ph type="title"/>
+          </p:nvPr>
+        </p:nvSpPr>
+        <p:spPr/>
+        <p:txBody>
+          <a:bodyPr/>
+          <a:lstStyle/>
+          <a:p>
+            <a:r>
+              <a:rPr lang="en-US" dirty="0">
+                <a:latin typeface="Times New Roman" panose="02020603050405020304" pitchFamily="18" charset="0"/>
+                <a:cs typeface="Times New Roman" panose="02020603050405020304" pitchFamily="18" charset="0"/>
+              </a:rPr>
+              <a:t>Example: Exercise 62</a:t>
+            </a:r>
+          </a:p>
+        </p:txBody>
+      </p:sp>
+      <p:sp>
+        <p:nvSpPr>
+          <p:cNvPr id="3" name="Pladsholder til indhold 2">
+            <a:extLst>
+              <a:ext uri="{FF2B5EF4-FFF2-40B4-BE49-F238E27FC236}">
+                <a16:creationId xmlns:a16="http://schemas.microsoft.com/office/drawing/2014/main" id="{38854E33-1636-4AB5-99A5-F8568EA08B9A}"/>
+              </a:ext>
+            </a:extLst>
+          </p:cNvPr>
+          <p:cNvSpPr>
+            <a:spLocks noGrp="1"/>
+          </p:cNvSpPr>
+          <p:nvPr>
+            <p:ph idx="1"/>
+          </p:nvPr>
+        </p:nvSpPr>
+        <p:spPr>
+          <a:xfrm>
+            <a:off x="213512" y="1517808"/>
+            <a:ext cx="5257800" cy="4357892"/>
+          </a:xfrm>
+        </p:spPr>
+        <p:txBody>
+          <a:bodyPr/>
+          <a:lstStyle/>
+          <a:p>
+            <a:r>
+              <a:rPr lang="da-DK" dirty="0">
+                <a:latin typeface="Times New Roman" panose="02020603050405020304" pitchFamily="18" charset="0"/>
+                <a:cs typeface="Times New Roman" panose="02020603050405020304" pitchFamily="18" charset="0"/>
+              </a:rPr>
+              <a:t>4 GCNN </a:t>
+            </a:r>
+            <a:r>
+              <a:rPr lang="da-DK" dirty="0" err="1">
+                <a:latin typeface="Times New Roman" panose="02020603050405020304" pitchFamily="18" charset="0"/>
+                <a:cs typeface="Times New Roman" panose="02020603050405020304" pitchFamily="18" charset="0"/>
+              </a:rPr>
+              <a:t>Layers</a:t>
+            </a:r>
+            <a:endParaRPr lang="da-DK" dirty="0">
+              <a:latin typeface="Times New Roman" panose="02020603050405020304" pitchFamily="18" charset="0"/>
+              <a:cs typeface="Times New Roman" panose="02020603050405020304" pitchFamily="18" charset="0"/>
+            </a:endParaRPr>
+          </a:p>
+        </p:txBody>
+      </p:sp>
+      <p:sp>
+        <p:nvSpPr>
+          <p:cNvPr id="7" name="Tekstfelt 6">
+            <a:extLst>
+              <a:ext uri="{FF2B5EF4-FFF2-40B4-BE49-F238E27FC236}">
+                <a16:creationId xmlns:a16="http://schemas.microsoft.com/office/drawing/2014/main" id="{FF8D2895-CCAD-282B-609A-D3680A7A4D4A}"/>
+              </a:ext>
+            </a:extLst>
+          </p:cNvPr>
+          <p:cNvSpPr txBox="1"/>
+          <p:nvPr/>
+        </p:nvSpPr>
+        <p:spPr>
+          <a:xfrm>
+            <a:off x="3288145" y="2295577"/>
+            <a:ext cx="1043876" cy="369332"/>
+          </a:xfrm>
+          <a:prstGeom prst="rect">
+            <a:avLst/>
+          </a:prstGeom>
+          <a:noFill/>
+        </p:spPr>
+        <p:txBody>
+          <a:bodyPr wrap="none" rtlCol="0">
+            <a:spAutoFit/>
+          </a:bodyPr>
+          <a:lstStyle/>
+          <a:p>
+            <a:r>
+              <a:rPr lang="da-DK" dirty="0" err="1">
+                <a:latin typeface="Times New Roman" panose="02020603050405020304" pitchFamily="18" charset="0"/>
+                <a:cs typeface="Times New Roman" panose="02020603050405020304" pitchFamily="18" charset="0"/>
+              </a:rPr>
+              <a:t>Modified</a:t>
+            </a:r>
+            <a:endParaRPr lang="da-DK" dirty="0">
+              <a:latin typeface="Times New Roman" panose="02020603050405020304" pitchFamily="18" charset="0"/>
+              <a:cs typeface="Times New Roman" panose="02020603050405020304" pitchFamily="18" charset="0"/>
+            </a:endParaRPr>
+          </a:p>
+        </p:txBody>
+      </p:sp>
+      <p:sp>
+        <p:nvSpPr>
+          <p:cNvPr id="8" name="Tekstfelt 7">
+            <a:extLst>
+              <a:ext uri="{FF2B5EF4-FFF2-40B4-BE49-F238E27FC236}">
+                <a16:creationId xmlns:a16="http://schemas.microsoft.com/office/drawing/2014/main" id="{64D9F613-D35F-F424-2E1C-B03A2F7424DE}"/>
+              </a:ext>
+            </a:extLst>
+          </p:cNvPr>
+          <p:cNvSpPr txBox="1"/>
+          <p:nvPr/>
+        </p:nvSpPr>
+        <p:spPr>
+          <a:xfrm>
+            <a:off x="8141854" y="2295577"/>
+            <a:ext cx="1300356" cy="369332"/>
+          </a:xfrm>
+          <a:prstGeom prst="rect">
+            <a:avLst/>
+          </a:prstGeom>
+          <a:noFill/>
+        </p:spPr>
+        <p:txBody>
+          <a:bodyPr wrap="none" rtlCol="0">
+            <a:spAutoFit/>
+          </a:bodyPr>
+          <a:lstStyle/>
+          <a:p>
+            <a:r>
+              <a:rPr lang="da-DK" dirty="0" err="1">
+                <a:latin typeface="Times New Roman" panose="02020603050405020304" pitchFamily="18" charset="0"/>
+                <a:cs typeface="Times New Roman" panose="02020603050405020304" pitchFamily="18" charset="0"/>
+              </a:rPr>
+              <a:t>Unmodified</a:t>
+            </a:r>
+            <a:endParaRPr lang="da-DK" dirty="0">
+              <a:latin typeface="Times New Roman" panose="02020603050405020304" pitchFamily="18" charset="0"/>
+              <a:cs typeface="Times New Roman" panose="02020603050405020304" pitchFamily="18" charset="0"/>
+            </a:endParaRPr>
+          </a:p>
+        </p:txBody>
+      </p:sp>
+      <p:pic>
+        <p:nvPicPr>
+          <p:cNvPr id="6" name="Billede 5">
+            <a:extLst>
+              <a:ext uri="{FF2B5EF4-FFF2-40B4-BE49-F238E27FC236}">
+                <a16:creationId xmlns:a16="http://schemas.microsoft.com/office/drawing/2014/main" id="{E73ACC65-6E54-5E1F-CB18-188CCE1847B0}"/>
+              </a:ext>
+            </a:extLst>
+          </p:cNvPr>
+          <p:cNvPicPr>
+            <a:picLocks noChangeAspect="1"/>
+          </p:cNvPicPr>
+          <p:nvPr/>
+        </p:nvPicPr>
+        <p:blipFill>
+          <a:blip r:embed="rId2"/>
+          <a:stretch>
+            <a:fillRect/>
+          </a:stretch>
+        </p:blipFill>
+        <p:spPr>
+          <a:xfrm>
+            <a:off x="1266825" y="2664909"/>
+            <a:ext cx="9658350" cy="3543300"/>
+          </a:xfrm>
+          <a:prstGeom prst="rect">
+            <a:avLst/>
+          </a:prstGeom>
+        </p:spPr>
+      </p:pic>
+    </p:spTree>
+    <p:extLst>
+      <p:ext uri="{BB962C8B-B14F-4D97-AF65-F5344CB8AC3E}">
+        <p14:creationId xmlns:p14="http://schemas.microsoft.com/office/powerpoint/2010/main" val="2834462851"/>
+      </p:ext>
+    </p:extLst>
+  </p:cSld>
+  <p:clrMapOvr>
+    <a:masterClrMapping/>
+  </p:clrMapOvr>
+</p:sld>
+</file>
+
+<file path=ppt/slides/slide11.xml><?xml version="1.0" encoding="utf-8"?>
+<p:sld xmlns:a="http://schemas.openxmlformats.org/drawingml/2006/main" xmlns:r="http://schemas.openxmlformats.org/officeDocument/2006/relationships" xmlns:p="http://schemas.openxmlformats.org/presentationml/2006/main">
+  <p:cSld>
+    <p:spTree>
+      <p:nvGrpSpPr>
+        <p:cNvPr id="1" name="">
+          <a:extLst>
+            <a:ext uri="{FF2B5EF4-FFF2-40B4-BE49-F238E27FC236}">
+              <a16:creationId xmlns:a16="http://schemas.microsoft.com/office/drawing/2014/main" id="{4E7E1599-7896-2AF4-5CF5-FCD18148CDC2}"/>
+            </a:ext>
+          </a:extLst>
+        </p:cNvPr>
+        <p:cNvGrpSpPr/>
+        <p:nvPr/>
+      </p:nvGrpSpPr>
+      <p:grpSpPr>
+        <a:xfrm>
+          <a:off x="0" y="0"/>
+          <a:ext cx="0" cy="0"/>
+          <a:chOff x="0" y="0"/>
+          <a:chExt cx="0" cy="0"/>
+        </a:xfrm>
+      </p:grpSpPr>
+      <p:sp>
+        <p:nvSpPr>
+          <p:cNvPr id="2" name="Titel 1">
+            <a:extLst>
+              <a:ext uri="{FF2B5EF4-FFF2-40B4-BE49-F238E27FC236}">
+                <a16:creationId xmlns:a16="http://schemas.microsoft.com/office/drawing/2014/main" id="{E2DC3C51-9C0A-E423-FC53-B88C8FB3D011}"/>
+              </a:ext>
+            </a:extLst>
+          </p:cNvPr>
+          <p:cNvSpPr>
+            <a:spLocks noGrp="1"/>
+          </p:cNvSpPr>
+          <p:nvPr>
+            <p:ph type="title"/>
+          </p:nvPr>
+        </p:nvSpPr>
+        <p:spPr/>
+        <p:txBody>
+          <a:bodyPr/>
+          <a:lstStyle/>
+          <a:p>
+            <a:r>
+              <a:rPr lang="en-US" dirty="0">
+                <a:latin typeface="Times New Roman" panose="02020603050405020304" pitchFamily="18" charset="0"/>
+                <a:cs typeface="Times New Roman" panose="02020603050405020304" pitchFamily="18" charset="0"/>
+              </a:rPr>
+              <a:t>Example: Exercise 62</a:t>
+            </a:r>
+          </a:p>
+        </p:txBody>
+      </p:sp>
+      <p:sp>
+        <p:nvSpPr>
+          <p:cNvPr id="3" name="Pladsholder til indhold 2">
+            <a:extLst>
+              <a:ext uri="{FF2B5EF4-FFF2-40B4-BE49-F238E27FC236}">
+                <a16:creationId xmlns:a16="http://schemas.microsoft.com/office/drawing/2014/main" id="{38F0D7DF-58FE-C83D-C56F-F1B12319B34B}"/>
+              </a:ext>
+            </a:extLst>
+          </p:cNvPr>
+          <p:cNvSpPr>
+            <a:spLocks noGrp="1"/>
+          </p:cNvSpPr>
+          <p:nvPr>
+            <p:ph idx="1"/>
+          </p:nvPr>
+        </p:nvSpPr>
+        <p:spPr>
+          <a:xfrm>
+            <a:off x="213512" y="1517808"/>
+            <a:ext cx="5257800" cy="4357892"/>
+          </a:xfrm>
+        </p:spPr>
+        <p:txBody>
+          <a:bodyPr/>
+          <a:lstStyle/>
+          <a:p>
+            <a:r>
+              <a:rPr lang="da-DK" dirty="0">
+                <a:latin typeface="Times New Roman" panose="02020603050405020304" pitchFamily="18" charset="0"/>
+                <a:cs typeface="Times New Roman" panose="02020603050405020304" pitchFamily="18" charset="0"/>
+              </a:rPr>
+              <a:t>4 GCNN </a:t>
+            </a:r>
+            <a:r>
+              <a:rPr lang="da-DK" dirty="0" err="1">
+                <a:latin typeface="Times New Roman" panose="02020603050405020304" pitchFamily="18" charset="0"/>
+                <a:cs typeface="Times New Roman" panose="02020603050405020304" pitchFamily="18" charset="0"/>
+              </a:rPr>
+              <a:t>Layers</a:t>
+            </a:r>
+            <a:r>
+              <a:rPr lang="da-DK" dirty="0">
+                <a:latin typeface="Times New Roman" panose="02020603050405020304" pitchFamily="18" charset="0"/>
+                <a:cs typeface="Times New Roman" panose="02020603050405020304" pitchFamily="18" charset="0"/>
+              </a:rPr>
+              <a:t> + </a:t>
+            </a:r>
+            <a:r>
+              <a:rPr lang="da-DK" dirty="0" err="1">
+                <a:latin typeface="Times New Roman" panose="02020603050405020304" pitchFamily="18" charset="0"/>
+                <a:cs typeface="Times New Roman" panose="02020603050405020304" pitchFamily="18" charset="0"/>
+              </a:rPr>
+              <a:t>Activation</a:t>
+            </a:r>
+            <a:r>
+              <a:rPr lang="da-DK" dirty="0">
+                <a:latin typeface="Times New Roman" panose="02020603050405020304" pitchFamily="18" charset="0"/>
+                <a:cs typeface="Times New Roman" panose="02020603050405020304" pitchFamily="18" charset="0"/>
+              </a:rPr>
+              <a:t> + Head – </a:t>
+            </a:r>
+            <a:r>
+              <a:rPr lang="da-DK" dirty="0" err="1">
+                <a:latin typeface="Times New Roman" panose="02020603050405020304" pitchFamily="18" charset="0"/>
+                <a:cs typeface="Times New Roman" panose="02020603050405020304" pitchFamily="18" charset="0"/>
+              </a:rPr>
+              <a:t>Layers</a:t>
+            </a:r>
+            <a:endParaRPr lang="da-DK" dirty="0">
+              <a:latin typeface="Times New Roman" panose="02020603050405020304" pitchFamily="18" charset="0"/>
+              <a:cs typeface="Times New Roman" panose="02020603050405020304" pitchFamily="18" charset="0"/>
+            </a:endParaRPr>
+          </a:p>
+          <a:p>
+            <a:r>
+              <a:rPr lang="da-DK" dirty="0" err="1">
+                <a:latin typeface="Times New Roman" panose="02020603050405020304" pitchFamily="18" charset="0"/>
+                <a:cs typeface="Times New Roman" panose="02020603050405020304" pitchFamily="18" charset="0"/>
+              </a:rPr>
+              <a:t>Tight</a:t>
+            </a:r>
+            <a:r>
+              <a:rPr lang="da-DK" dirty="0">
+                <a:latin typeface="Times New Roman" panose="02020603050405020304" pitchFamily="18" charset="0"/>
+                <a:cs typeface="Times New Roman" panose="02020603050405020304" pitchFamily="18" charset="0"/>
+              </a:rPr>
+              <a:t>-Binding model </a:t>
+            </a:r>
+            <a:r>
+              <a:rPr lang="da-DK" dirty="0">
+                <a:latin typeface="Times New Roman" panose="02020603050405020304" pitchFamily="18" charset="0"/>
+                <a:cs typeface="Times New Roman" panose="02020603050405020304" pitchFamily="18" charset="0"/>
+                <a:sym typeface="Wingdings" panose="05000000000000000000" pitchFamily="2" charset="2"/>
+              </a:rPr>
+              <a:t> </a:t>
+            </a:r>
+            <a:r>
+              <a:rPr lang="da-DK" dirty="0" err="1">
+                <a:latin typeface="Times New Roman" panose="02020603050405020304" pitchFamily="18" charset="0"/>
+                <a:cs typeface="Times New Roman" panose="02020603050405020304" pitchFamily="18" charset="0"/>
+                <a:sym typeface="Wingdings" panose="05000000000000000000" pitchFamily="2" charset="2"/>
+              </a:rPr>
+              <a:t>Geometrical</a:t>
+            </a:r>
+            <a:endParaRPr lang="da-DK" dirty="0">
+              <a:latin typeface="Times New Roman" panose="02020603050405020304" pitchFamily="18" charset="0"/>
+              <a:cs typeface="Times New Roman" panose="02020603050405020304" pitchFamily="18" charset="0"/>
+              <a:sym typeface="Wingdings" panose="05000000000000000000" pitchFamily="2" charset="2"/>
+            </a:endParaRPr>
+          </a:p>
+        </p:txBody>
+      </p:sp>
+      <p:sp>
+        <p:nvSpPr>
+          <p:cNvPr id="7" name="Tekstfelt 6">
+            <a:extLst>
+              <a:ext uri="{FF2B5EF4-FFF2-40B4-BE49-F238E27FC236}">
+                <a16:creationId xmlns:a16="http://schemas.microsoft.com/office/drawing/2014/main" id="{6DA45E46-CBD7-8F33-B0DD-A52F1461DD7F}"/>
+              </a:ext>
+            </a:extLst>
+          </p:cNvPr>
+          <p:cNvSpPr txBox="1"/>
+          <p:nvPr/>
+        </p:nvSpPr>
+        <p:spPr>
+          <a:xfrm>
+            <a:off x="4646165" y="2945368"/>
+            <a:ext cx="1043876" cy="369332"/>
+          </a:xfrm>
+          <a:prstGeom prst="rect">
+            <a:avLst/>
+          </a:prstGeom>
+          <a:noFill/>
+        </p:spPr>
+        <p:txBody>
+          <a:bodyPr wrap="none" rtlCol="0">
+            <a:spAutoFit/>
+          </a:bodyPr>
+          <a:lstStyle/>
+          <a:p>
+            <a:r>
+              <a:rPr lang="da-DK" dirty="0" err="1">
+                <a:latin typeface="Times New Roman" panose="02020603050405020304" pitchFamily="18" charset="0"/>
+                <a:cs typeface="Times New Roman" panose="02020603050405020304" pitchFamily="18" charset="0"/>
+              </a:rPr>
+              <a:t>Modified</a:t>
+            </a:r>
+            <a:endParaRPr lang="da-DK" dirty="0">
+              <a:latin typeface="Times New Roman" panose="02020603050405020304" pitchFamily="18" charset="0"/>
+              <a:cs typeface="Times New Roman" panose="02020603050405020304" pitchFamily="18" charset="0"/>
+            </a:endParaRPr>
+          </a:p>
+        </p:txBody>
+      </p:sp>
+      <p:sp>
+        <p:nvSpPr>
+          <p:cNvPr id="8" name="Tekstfelt 7">
+            <a:extLst>
+              <a:ext uri="{FF2B5EF4-FFF2-40B4-BE49-F238E27FC236}">
+                <a16:creationId xmlns:a16="http://schemas.microsoft.com/office/drawing/2014/main" id="{084A10A9-4256-2D5D-11BF-C431521499F4}"/>
+              </a:ext>
+            </a:extLst>
+          </p:cNvPr>
+          <p:cNvSpPr txBox="1"/>
+          <p:nvPr/>
+        </p:nvSpPr>
+        <p:spPr>
+          <a:xfrm>
+            <a:off x="9472516" y="2945368"/>
+            <a:ext cx="1300356" cy="369332"/>
+          </a:xfrm>
+          <a:prstGeom prst="rect">
+            <a:avLst/>
+          </a:prstGeom>
+          <a:noFill/>
+        </p:spPr>
+        <p:txBody>
+          <a:bodyPr wrap="none" rtlCol="0">
+            <a:spAutoFit/>
+          </a:bodyPr>
+          <a:lstStyle/>
+          <a:p>
+            <a:r>
+              <a:rPr lang="da-DK" dirty="0" err="1">
+                <a:latin typeface="Times New Roman" panose="02020603050405020304" pitchFamily="18" charset="0"/>
+                <a:cs typeface="Times New Roman" panose="02020603050405020304" pitchFamily="18" charset="0"/>
+              </a:rPr>
+              <a:t>Unmodified</a:t>
+            </a:r>
+            <a:endParaRPr lang="da-DK" dirty="0">
+              <a:latin typeface="Times New Roman" panose="02020603050405020304" pitchFamily="18" charset="0"/>
+              <a:cs typeface="Times New Roman" panose="02020603050405020304" pitchFamily="18" charset="0"/>
+            </a:endParaRPr>
+          </a:p>
+        </p:txBody>
+      </p:sp>
+      <p:pic>
+        <p:nvPicPr>
+          <p:cNvPr id="5" name="Billede 4">
+            <a:extLst>
+              <a:ext uri="{FF2B5EF4-FFF2-40B4-BE49-F238E27FC236}">
+                <a16:creationId xmlns:a16="http://schemas.microsoft.com/office/drawing/2014/main" id="{06896930-8CAE-D03D-2FF8-F558273E6642}"/>
+              </a:ext>
+            </a:extLst>
+          </p:cNvPr>
+          <p:cNvPicPr>
+            <a:picLocks noChangeAspect="1"/>
+          </p:cNvPicPr>
+          <p:nvPr/>
+        </p:nvPicPr>
+        <p:blipFill>
+          <a:blip r:embed="rId2"/>
+          <a:stretch>
+            <a:fillRect/>
+          </a:stretch>
+        </p:blipFill>
+        <p:spPr>
+          <a:xfrm>
+            <a:off x="2434722" y="3314700"/>
+            <a:ext cx="9658350" cy="3543300"/>
+          </a:xfrm>
+          <a:prstGeom prst="rect">
+            <a:avLst/>
+          </a:prstGeom>
+        </p:spPr>
+      </p:pic>
+      <p:sp>
+        <p:nvSpPr>
+          <p:cNvPr id="9" name="Tekstfelt 8">
+            <a:extLst>
+              <a:ext uri="{FF2B5EF4-FFF2-40B4-BE49-F238E27FC236}">
+                <a16:creationId xmlns:a16="http://schemas.microsoft.com/office/drawing/2014/main" id="{5A17E98E-91E2-C331-2012-06395D55E66D}"/>
+              </a:ext>
+            </a:extLst>
+          </p:cNvPr>
+          <p:cNvSpPr txBox="1"/>
+          <p:nvPr/>
+        </p:nvSpPr>
+        <p:spPr>
+          <a:xfrm>
+            <a:off x="6268016" y="1517808"/>
+            <a:ext cx="5707012" cy="523220"/>
+          </a:xfrm>
+          <a:prstGeom prst="rect">
+            <a:avLst/>
+          </a:prstGeom>
+          <a:noFill/>
+        </p:spPr>
+        <p:txBody>
+          <a:bodyPr wrap="none" rtlCol="0">
+            <a:spAutoFit/>
+          </a:bodyPr>
+          <a:lstStyle/>
+          <a:p>
+            <a:pPr marL="457200" indent="-457200">
+              <a:buFont typeface="Arial" panose="020B0604020202020204" pitchFamily="34" charset="0"/>
+              <a:buChar char="•"/>
+            </a:pPr>
+            <a:r>
+              <a:rPr lang="en-US" sz="2800" dirty="0">
+                <a:latin typeface="Times New Roman" panose="02020603050405020304" pitchFamily="18" charset="0"/>
+                <a:cs typeface="Times New Roman" panose="02020603050405020304" pitchFamily="18" charset="0"/>
+              </a:rPr>
+              <a:t>Probably memorized and not learnt</a:t>
+            </a:r>
+          </a:p>
+        </p:txBody>
+      </p:sp>
+    </p:spTree>
+    <p:extLst>
+      <p:ext uri="{BB962C8B-B14F-4D97-AF65-F5344CB8AC3E}">
+        <p14:creationId xmlns:p14="http://schemas.microsoft.com/office/powerpoint/2010/main" val="481443919"/>
+      </p:ext>
+    </p:extLst>
+  </p:cSld>
+  <p:clrMapOvr>
+    <a:masterClrMapping/>
+  </p:clrMapOvr>
+</p:sld>
+</file>
+
+<file path=ppt/slides/slide2.xml><?xml version="1.0" encoding="utf-8"?>
+<p:sld xmlns:a="http://schemas.openxmlformats.org/drawingml/2006/main" xmlns:r="http://schemas.openxmlformats.org/officeDocument/2006/relationships" xmlns:p="http://schemas.openxmlformats.org/presentationml/2006/main">
+  <p:cSld>
+    <p:spTree>
+      <p:nvGrpSpPr>
+        <p:cNvPr id="1" name=""/>
+        <p:cNvGrpSpPr/>
+        <p:nvPr/>
+      </p:nvGrpSpPr>
+      <p:grpSpPr>
+        <a:xfrm>
+          <a:off x="0" y="0"/>
+          <a:ext cx="0" cy="0"/>
+          <a:chOff x="0" y="0"/>
+          <a:chExt cx="0" cy="0"/>
+        </a:xfrm>
+      </p:grpSpPr>
+      <p:sp>
+        <p:nvSpPr>
+          <p:cNvPr id="2" name="Titel 1">
+            <a:extLst>
+              <a:ext uri="{FF2B5EF4-FFF2-40B4-BE49-F238E27FC236}">
+                <a16:creationId xmlns:a16="http://schemas.microsoft.com/office/drawing/2014/main" id="{E9D96C5E-3F46-B369-651B-C3D54B69E693}"/>
+              </a:ext>
+            </a:extLst>
+          </p:cNvPr>
+          <p:cNvSpPr>
+            <a:spLocks noGrp="1"/>
+          </p:cNvSpPr>
+          <p:nvPr>
+            <p:ph type="title"/>
+          </p:nvPr>
+        </p:nvSpPr>
+        <p:spPr/>
+        <p:txBody>
+          <a:bodyPr/>
+          <a:lstStyle/>
+          <a:p>
+            <a:r>
+              <a:rPr lang="da-DK" dirty="0" err="1">
+                <a:latin typeface="Times New Roman" panose="02020603050405020304" pitchFamily="18" charset="0"/>
+                <a:cs typeface="Times New Roman" panose="02020603050405020304" pitchFamily="18" charset="0"/>
+              </a:rPr>
+              <a:t>Outline</a:t>
+            </a:r>
+            <a:endParaRPr lang="da-DK" dirty="0">
+              <a:latin typeface="Times New Roman" panose="02020603050405020304" pitchFamily="18" charset="0"/>
+              <a:cs typeface="Times New Roman" panose="02020603050405020304" pitchFamily="18" charset="0"/>
+            </a:endParaRPr>
+          </a:p>
+        </p:txBody>
+      </p:sp>
+      <p:sp>
+        <p:nvSpPr>
+          <p:cNvPr id="3" name="Pladsholder til indhold 2">
+            <a:extLst>
+              <a:ext uri="{FF2B5EF4-FFF2-40B4-BE49-F238E27FC236}">
+                <a16:creationId xmlns:a16="http://schemas.microsoft.com/office/drawing/2014/main" id="{E5CEB0A4-A5CF-DE34-3E50-B40A6944BFD8}"/>
+              </a:ext>
+            </a:extLst>
+          </p:cNvPr>
+          <p:cNvSpPr>
+            <a:spLocks noGrp="1"/>
+          </p:cNvSpPr>
+          <p:nvPr>
+            <p:ph idx="1"/>
+          </p:nvPr>
+        </p:nvSpPr>
+        <p:spPr/>
+        <p:txBody>
+          <a:bodyPr/>
+          <a:lstStyle/>
+          <a:p>
+            <a:r>
+              <a:rPr lang="da-DK" dirty="0" err="1">
+                <a:latin typeface="Times New Roman" panose="02020603050405020304" pitchFamily="18" charset="0"/>
+                <a:cs typeface="Times New Roman" panose="02020603050405020304" pitchFamily="18" charset="0"/>
+              </a:rPr>
+              <a:t>Introduction</a:t>
+            </a:r>
+            <a:r>
+              <a:rPr lang="da-DK" dirty="0">
+                <a:latin typeface="Times New Roman" panose="02020603050405020304" pitchFamily="18" charset="0"/>
+                <a:cs typeface="Times New Roman" panose="02020603050405020304" pitchFamily="18" charset="0"/>
+              </a:rPr>
+              <a:t> to </a:t>
+            </a:r>
+            <a:r>
+              <a:rPr lang="da-DK" dirty="0" err="1">
+                <a:latin typeface="Times New Roman" panose="02020603050405020304" pitchFamily="18" charset="0"/>
+                <a:cs typeface="Times New Roman" panose="02020603050405020304" pitchFamily="18" charset="0"/>
+              </a:rPr>
+              <a:t>graphs</a:t>
+            </a:r>
+            <a:r>
+              <a:rPr lang="da-DK" dirty="0">
+                <a:latin typeface="Times New Roman" panose="02020603050405020304" pitchFamily="18" charset="0"/>
+                <a:cs typeface="Times New Roman" panose="02020603050405020304" pitchFamily="18" charset="0"/>
+              </a:rPr>
+              <a:t>/Motivation</a:t>
+            </a:r>
+          </a:p>
+          <a:p>
+            <a:pPr lvl="1"/>
+            <a:r>
+              <a:rPr lang="da-DK" dirty="0">
+                <a:latin typeface="Times New Roman" panose="02020603050405020304" pitchFamily="18" charset="0"/>
+                <a:cs typeface="Times New Roman" panose="02020603050405020304" pitchFamily="18" charset="0"/>
+              </a:rPr>
+              <a:t>First </a:t>
+            </a:r>
+            <a:r>
+              <a:rPr lang="da-DK" dirty="0" err="1">
+                <a:latin typeface="Times New Roman" panose="02020603050405020304" pitchFamily="18" charset="0"/>
+                <a:cs typeface="Times New Roman" panose="02020603050405020304" pitchFamily="18" charset="0"/>
+              </a:rPr>
+              <a:t>introduce</a:t>
+            </a:r>
+            <a:r>
+              <a:rPr lang="da-DK" dirty="0">
+                <a:latin typeface="Times New Roman" panose="02020603050405020304" pitchFamily="18" charset="0"/>
+                <a:cs typeface="Times New Roman" panose="02020603050405020304" pitchFamily="18" charset="0"/>
+              </a:rPr>
+              <a:t> </a:t>
+            </a:r>
+            <a:r>
+              <a:rPr lang="da-DK" dirty="0" err="1">
+                <a:latin typeface="Times New Roman" panose="02020603050405020304" pitchFamily="18" charset="0"/>
+                <a:cs typeface="Times New Roman" panose="02020603050405020304" pitchFamily="18" charset="0"/>
+              </a:rPr>
+              <a:t>descriptors</a:t>
+            </a:r>
+            <a:endParaRPr lang="da-DK" dirty="0">
+              <a:latin typeface="Times New Roman" panose="02020603050405020304" pitchFamily="18" charset="0"/>
+              <a:cs typeface="Times New Roman" panose="02020603050405020304" pitchFamily="18" charset="0"/>
+            </a:endParaRPr>
+          </a:p>
+          <a:p>
+            <a:r>
+              <a:rPr lang="da-DK" dirty="0">
+                <a:latin typeface="Times New Roman" panose="02020603050405020304" pitchFamily="18" charset="0"/>
+                <a:cs typeface="Times New Roman" panose="02020603050405020304" pitchFamily="18" charset="0"/>
+              </a:rPr>
+              <a:t>How do </a:t>
+            </a:r>
+            <a:r>
+              <a:rPr lang="da-DK" dirty="0" err="1">
+                <a:latin typeface="Times New Roman" panose="02020603050405020304" pitchFamily="18" charset="0"/>
+                <a:cs typeface="Times New Roman" panose="02020603050405020304" pitchFamily="18" charset="0"/>
+              </a:rPr>
+              <a:t>we</a:t>
+            </a:r>
+            <a:r>
+              <a:rPr lang="da-DK" dirty="0">
+                <a:latin typeface="Times New Roman" panose="02020603050405020304" pitchFamily="18" charset="0"/>
+                <a:cs typeface="Times New Roman" panose="02020603050405020304" pitchFamily="18" charset="0"/>
+              </a:rPr>
+              <a:t> </a:t>
+            </a:r>
+            <a:r>
+              <a:rPr lang="da-DK" dirty="0" err="1">
+                <a:latin typeface="Times New Roman" panose="02020603050405020304" pitchFamily="18" charset="0"/>
+                <a:cs typeface="Times New Roman" panose="02020603050405020304" pitchFamily="18" charset="0"/>
+              </a:rPr>
+              <a:t>implement</a:t>
+            </a:r>
+            <a:r>
+              <a:rPr lang="da-DK" dirty="0">
+                <a:latin typeface="Times New Roman" panose="02020603050405020304" pitchFamily="18" charset="0"/>
+                <a:cs typeface="Times New Roman" panose="02020603050405020304" pitchFamily="18" charset="0"/>
+              </a:rPr>
+              <a:t> </a:t>
+            </a:r>
+            <a:r>
+              <a:rPr lang="da-DK" dirty="0" err="1">
+                <a:latin typeface="Times New Roman" panose="02020603050405020304" pitchFamily="18" charset="0"/>
+                <a:cs typeface="Times New Roman" panose="02020603050405020304" pitchFamily="18" charset="0"/>
+              </a:rPr>
+              <a:t>this</a:t>
+            </a:r>
+            <a:r>
+              <a:rPr lang="da-DK" dirty="0">
+                <a:latin typeface="Times New Roman" panose="02020603050405020304" pitchFamily="18" charset="0"/>
+                <a:cs typeface="Times New Roman" panose="02020603050405020304" pitchFamily="18" charset="0"/>
+              </a:rPr>
+              <a:t>?</a:t>
+            </a:r>
+          </a:p>
+          <a:p>
+            <a:r>
+              <a:rPr lang="da-DK" dirty="0">
+                <a:latin typeface="Times New Roman" panose="02020603050405020304" pitchFamily="18" charset="0"/>
+                <a:cs typeface="Times New Roman" panose="02020603050405020304" pitchFamily="18" charset="0"/>
+              </a:rPr>
+              <a:t>Usage in Graph Neural Networks</a:t>
+            </a:r>
+          </a:p>
+          <a:p>
+            <a:endParaRPr lang="da-DK" dirty="0">
+              <a:latin typeface="Times New Roman" panose="02020603050405020304" pitchFamily="18" charset="0"/>
+              <a:cs typeface="Times New Roman" panose="02020603050405020304" pitchFamily="18" charset="0"/>
+            </a:endParaRPr>
+          </a:p>
+          <a:p>
+            <a:endParaRPr lang="da-DK" dirty="0">
+              <a:latin typeface="Times New Roman" panose="02020603050405020304" pitchFamily="18" charset="0"/>
+              <a:cs typeface="Times New Roman" panose="02020603050405020304" pitchFamily="18" charset="0"/>
+            </a:endParaRPr>
+          </a:p>
+          <a:p>
+            <a:endParaRPr lang="da-DK" dirty="0"/>
+          </a:p>
+        </p:txBody>
+      </p:sp>
+    </p:spTree>
+    <p:extLst>
+      <p:ext uri="{BB962C8B-B14F-4D97-AF65-F5344CB8AC3E}">
+        <p14:creationId xmlns:p14="http://schemas.microsoft.com/office/powerpoint/2010/main" val="3327404050"/>
+      </p:ext>
+    </p:extLst>
+  </p:cSld>
+  <p:clrMapOvr>
+    <a:masterClrMapping/>
+  </p:clrMapOvr>
+</p:sld>
+</file>
+
+<file path=ppt/slides/slide3.xml><?xml version="1.0" encoding="utf-8"?>
+<p:sld xmlns:a="http://schemas.openxmlformats.org/drawingml/2006/main" xmlns:r="http://schemas.openxmlformats.org/officeDocument/2006/relationships" xmlns:p="http://schemas.openxmlformats.org/presentationml/2006/main">
+  <p:cSld>
+    <p:spTree>
+      <p:nvGrpSpPr>
+        <p:cNvPr id="1" name=""/>
+        <p:cNvGrpSpPr/>
+        <p:nvPr/>
+      </p:nvGrpSpPr>
+      <p:grpSpPr>
+        <a:xfrm>
+          <a:off x="0" y="0"/>
+          <a:ext cx="0" cy="0"/>
+          <a:chOff x="0" y="0"/>
+          <a:chExt cx="0" cy="0"/>
+        </a:xfrm>
+      </p:grpSpPr>
+      <p:sp>
+        <p:nvSpPr>
+          <p:cNvPr id="2" name="Titel 1">
+            <a:extLst>
+              <a:ext uri="{FF2B5EF4-FFF2-40B4-BE49-F238E27FC236}">
+                <a16:creationId xmlns:a16="http://schemas.microsoft.com/office/drawing/2014/main" id="{04169066-2412-D7EA-B403-791764137129}"/>
+              </a:ext>
+            </a:extLst>
+          </p:cNvPr>
+          <p:cNvSpPr>
+            <a:spLocks noGrp="1"/>
+          </p:cNvSpPr>
+          <p:nvPr>
+            <p:ph type="title"/>
+          </p:nvPr>
+        </p:nvSpPr>
+        <p:spPr/>
+        <p:txBody>
+          <a:bodyPr/>
+          <a:lstStyle/>
+          <a:p>
+            <a:r>
+              <a:rPr lang="da-DK" dirty="0" err="1">
+                <a:latin typeface="Times New Roman" panose="02020603050405020304" pitchFamily="18" charset="0"/>
+                <a:cs typeface="Times New Roman" panose="02020603050405020304" pitchFamily="18" charset="0"/>
+              </a:rPr>
+              <a:t>Introduction</a:t>
+            </a:r>
+            <a:r>
+              <a:rPr lang="da-DK" dirty="0">
+                <a:latin typeface="Times New Roman" panose="02020603050405020304" pitchFamily="18" charset="0"/>
+                <a:cs typeface="Times New Roman" panose="02020603050405020304" pitchFamily="18" charset="0"/>
+              </a:rPr>
+              <a:t> to </a:t>
+            </a:r>
+            <a:r>
+              <a:rPr lang="da-DK" dirty="0" err="1">
+                <a:latin typeface="Times New Roman" panose="02020603050405020304" pitchFamily="18" charset="0"/>
+                <a:cs typeface="Times New Roman" panose="02020603050405020304" pitchFamily="18" charset="0"/>
+              </a:rPr>
+              <a:t>graphs</a:t>
+            </a:r>
+            <a:endParaRPr lang="da-DK" dirty="0"/>
+          </a:p>
+        </p:txBody>
+      </p:sp>
+      <p:sp>
+        <p:nvSpPr>
+          <p:cNvPr id="3" name="Pladsholder til indhold 2">
+            <a:extLst>
+              <a:ext uri="{FF2B5EF4-FFF2-40B4-BE49-F238E27FC236}">
+                <a16:creationId xmlns:a16="http://schemas.microsoft.com/office/drawing/2014/main" id="{141230C2-2531-4788-C0B4-9ED2C64AF2B8}"/>
+              </a:ext>
+            </a:extLst>
+          </p:cNvPr>
+          <p:cNvSpPr>
+            <a:spLocks noGrp="1"/>
+          </p:cNvSpPr>
+          <p:nvPr>
+            <p:ph idx="1"/>
+          </p:nvPr>
+        </p:nvSpPr>
+        <p:spPr>
+          <a:xfrm>
+            <a:off x="177297" y="1690688"/>
+            <a:ext cx="7862180" cy="4351338"/>
+          </a:xfrm>
+        </p:spPr>
+        <p:txBody>
+          <a:bodyPr/>
+          <a:lstStyle/>
+          <a:p>
+            <a:r>
+              <a:rPr lang="en-US" dirty="0">
+                <a:latin typeface="Times New Roman" panose="02020603050405020304" pitchFamily="18" charset="0"/>
+                <a:cs typeface="Times New Roman" panose="02020603050405020304" pitchFamily="18" charset="0"/>
+              </a:rPr>
+              <a:t>Experiment: “Measured energies of different kinds of Molecules”</a:t>
+            </a:r>
+          </a:p>
+          <a:p>
+            <a:r>
+              <a:rPr lang="en-US" dirty="0">
+                <a:latin typeface="Times New Roman" panose="02020603050405020304" pitchFamily="18" charset="0"/>
+                <a:cs typeface="Times New Roman" panose="02020603050405020304" pitchFamily="18" charset="0"/>
+              </a:rPr>
+              <a:t>Classify different molecules </a:t>
+            </a:r>
+            <a:r>
+              <a:rPr lang="en-US" dirty="0">
+                <a:latin typeface="Times New Roman" panose="02020603050405020304" pitchFamily="18" charset="0"/>
+                <a:cs typeface="Times New Roman" panose="02020603050405020304" pitchFamily="18" charset="0"/>
+                <a:sym typeface="Wingdings" panose="05000000000000000000" pitchFamily="2" charset="2"/>
+              </a:rPr>
+              <a:t> Need fingerprint</a:t>
+            </a:r>
+          </a:p>
+          <a:p>
+            <a:r>
+              <a:rPr lang="en-US" dirty="0" err="1">
+                <a:latin typeface="Times New Roman" panose="02020603050405020304" pitchFamily="18" charset="0"/>
+                <a:cs typeface="Times New Roman" panose="02020603050405020304" pitchFamily="18" charset="0"/>
+                <a:sym typeface="Wingdings" panose="05000000000000000000" pitchFamily="2" charset="2"/>
+              </a:rPr>
+              <a:t>PairwiseDistanceMatrix</a:t>
+            </a:r>
+            <a:r>
+              <a:rPr lang="en-US" dirty="0">
+                <a:latin typeface="Times New Roman" panose="02020603050405020304" pitchFamily="18" charset="0"/>
+                <a:cs typeface="Times New Roman" panose="02020603050405020304" pitchFamily="18" charset="0"/>
+                <a:sym typeface="Wingdings" panose="05000000000000000000" pitchFamily="2" charset="2"/>
+              </a:rPr>
+              <a:t> – Spectrum</a:t>
+            </a:r>
+          </a:p>
+          <a:p>
+            <a:r>
+              <a:rPr lang="en-US" dirty="0">
+                <a:latin typeface="Times New Roman" panose="02020603050405020304" pitchFamily="18" charset="0"/>
+                <a:cs typeface="Times New Roman" panose="02020603050405020304" pitchFamily="18" charset="0"/>
+                <a:sym typeface="Wingdings" panose="05000000000000000000" pitchFamily="2" charset="2"/>
+              </a:rPr>
+              <a:t>Perform experiment: Bond information very important to energy</a:t>
+            </a:r>
+          </a:p>
+          <a:p>
+            <a:r>
+              <a:rPr lang="en-US" dirty="0">
+                <a:latin typeface="Times New Roman" panose="02020603050405020304" pitchFamily="18" charset="0"/>
+                <a:cs typeface="Times New Roman" panose="02020603050405020304" pitchFamily="18" charset="0"/>
+                <a:sym typeface="Wingdings" panose="05000000000000000000" pitchFamily="2" charset="2"/>
+              </a:rPr>
+              <a:t>How do we incorporate this?</a:t>
+            </a:r>
+          </a:p>
+          <a:p>
+            <a:pPr lvl="1"/>
+            <a:r>
+              <a:rPr lang="en-US" dirty="0">
+                <a:latin typeface="Times New Roman" panose="02020603050405020304" pitchFamily="18" charset="0"/>
+                <a:cs typeface="Times New Roman" panose="02020603050405020304" pitchFamily="18" charset="0"/>
+                <a:sym typeface="Wingdings" panose="05000000000000000000" pitchFamily="2" charset="2"/>
+              </a:rPr>
+              <a:t>Answer: Graphs</a:t>
+            </a:r>
+          </a:p>
+        </p:txBody>
+      </p:sp>
+    </p:spTree>
+    <p:extLst>
+      <p:ext uri="{BB962C8B-B14F-4D97-AF65-F5344CB8AC3E}">
+        <p14:creationId xmlns:p14="http://schemas.microsoft.com/office/powerpoint/2010/main" val="3439384127"/>
+      </p:ext>
+    </p:extLst>
+  </p:cSld>
+  <p:clrMapOvr>
+    <a:masterClrMapping/>
+  </p:clrMapOvr>
+</p:sld>
+</file>
+
+<file path=ppt/slides/slide4.xml><?xml version="1.0" encoding="utf-8"?>
+<p:sld xmlns:a="http://schemas.openxmlformats.org/drawingml/2006/main" xmlns:r="http://schemas.openxmlformats.org/officeDocument/2006/relationships" xmlns:p="http://schemas.openxmlformats.org/presentationml/2006/main">
+  <p:cSld>
+    <p:spTree>
+      <p:nvGrpSpPr>
+        <p:cNvPr id="1" name=""/>
+        <p:cNvGrpSpPr/>
+        <p:nvPr/>
+      </p:nvGrpSpPr>
+      <p:grpSpPr>
+        <a:xfrm>
+          <a:off x="0" y="0"/>
+          <a:ext cx="0" cy="0"/>
+          <a:chOff x="0" y="0"/>
+          <a:chExt cx="0" cy="0"/>
+        </a:xfrm>
+      </p:grpSpPr>
+      <p:sp>
+        <p:nvSpPr>
+          <p:cNvPr id="2" name="Titel 1">
+            <a:extLst>
+              <a:ext uri="{FF2B5EF4-FFF2-40B4-BE49-F238E27FC236}">
+                <a16:creationId xmlns:a16="http://schemas.microsoft.com/office/drawing/2014/main" id="{03EEE0F7-A910-9499-118F-53429C99E77B}"/>
+              </a:ext>
+            </a:extLst>
+          </p:cNvPr>
+          <p:cNvSpPr>
+            <a:spLocks noGrp="1"/>
+          </p:cNvSpPr>
+          <p:nvPr>
+            <p:ph type="title"/>
+          </p:nvPr>
+        </p:nvSpPr>
+        <p:spPr/>
+        <p:txBody>
+          <a:bodyPr/>
+          <a:lstStyle/>
+          <a:p>
+            <a:r>
+              <a:rPr lang="da-DK" dirty="0" err="1"/>
+              <a:t>Introduction</a:t>
+            </a:r>
+            <a:r>
+              <a:rPr lang="da-DK" dirty="0"/>
+              <a:t> to </a:t>
+            </a:r>
+            <a:r>
+              <a:rPr lang="da-DK" dirty="0" err="1"/>
+              <a:t>graphs</a:t>
+            </a:r>
+            <a:endParaRPr lang="da-DK" dirty="0"/>
+          </a:p>
+        </p:txBody>
+      </p:sp>
+      <p:sp>
+        <p:nvSpPr>
+          <p:cNvPr id="3" name="Pladsholder til indhold 2">
+            <a:extLst>
+              <a:ext uri="{FF2B5EF4-FFF2-40B4-BE49-F238E27FC236}">
+                <a16:creationId xmlns:a16="http://schemas.microsoft.com/office/drawing/2014/main" id="{E89BEA70-38F7-6EB3-9A93-C6EF93360469}"/>
+              </a:ext>
+            </a:extLst>
+          </p:cNvPr>
+          <p:cNvSpPr>
+            <a:spLocks noGrp="1"/>
+          </p:cNvSpPr>
+          <p:nvPr>
+            <p:ph idx="1"/>
+          </p:nvPr>
+        </p:nvSpPr>
+        <p:spPr/>
+        <p:txBody>
+          <a:bodyPr/>
+          <a:lstStyle/>
+          <a:p>
+            <a:r>
+              <a:rPr lang="en-US" dirty="0">
+                <a:latin typeface="Times New Roman" panose="02020603050405020304" pitchFamily="18" charset="0"/>
+                <a:cs typeface="Times New Roman" panose="02020603050405020304" pitchFamily="18" charset="0"/>
+              </a:rPr>
+              <a:t>Vertices/Nodes and edges </a:t>
+            </a:r>
+            <a:r>
+              <a:rPr lang="en-US" dirty="0">
+                <a:latin typeface="Times New Roman" panose="02020603050405020304" pitchFamily="18" charset="0"/>
+                <a:cs typeface="Times New Roman" panose="02020603050405020304" pitchFamily="18" charset="0"/>
+                <a:sym typeface="Wingdings" panose="05000000000000000000" pitchFamily="2" charset="2"/>
+              </a:rPr>
+              <a:t>Flow of information</a:t>
+            </a:r>
+          </a:p>
+          <a:p>
+            <a:r>
+              <a:rPr lang="en-US" dirty="0">
+                <a:latin typeface="Times New Roman" panose="02020603050405020304" pitchFamily="18" charset="0"/>
+                <a:cs typeface="Times New Roman" panose="02020603050405020304" pitchFamily="18" charset="0"/>
+                <a:sym typeface="Wingdings" panose="05000000000000000000" pitchFamily="2" charset="2"/>
+              </a:rPr>
+              <a:t>Very similar to molecule</a:t>
+            </a:r>
+          </a:p>
+          <a:p>
+            <a:r>
+              <a:rPr lang="en-US" dirty="0">
+                <a:latin typeface="Times New Roman" panose="02020603050405020304" pitchFamily="18" charset="0"/>
+                <a:cs typeface="Times New Roman" panose="02020603050405020304" pitchFamily="18" charset="0"/>
+                <a:sym typeface="Wingdings" panose="05000000000000000000" pitchFamily="2" charset="2"/>
+              </a:rPr>
+              <a:t>How do we describe this mathematically?</a:t>
+            </a:r>
+            <a:endParaRPr lang="da-DK" dirty="0"/>
+          </a:p>
+        </p:txBody>
+      </p:sp>
+      <p:pic>
+        <p:nvPicPr>
+          <p:cNvPr id="4" name="Picture 2">
+            <a:extLst>
+              <a:ext uri="{FF2B5EF4-FFF2-40B4-BE49-F238E27FC236}">
+                <a16:creationId xmlns:a16="http://schemas.microsoft.com/office/drawing/2014/main" id="{43306DC7-83AC-34E3-288C-F52938F54899}"/>
+              </a:ext>
+            </a:extLst>
+          </p:cNvPr>
+          <p:cNvPicPr>
+            <a:picLocks noChangeAspect="1" noChangeArrowheads="1"/>
+          </p:cNvPicPr>
+          <p:nvPr/>
+        </p:nvPicPr>
+        <p:blipFill>
+          <a:blip r:embed="rId2">
+            <a:extLst>
+              <a:ext uri="{28A0092B-C50C-407E-A947-70E740481C1C}">
+                <a14:useLocalDpi xmlns:a14="http://schemas.microsoft.com/office/drawing/2010/main" val="0"/>
+              </a:ext>
+            </a:extLst>
+          </a:blip>
+          <a:srcRect/>
+          <a:stretch>
+            <a:fillRect/>
+          </a:stretch>
+        </p:blipFill>
+        <p:spPr bwMode="auto">
+          <a:xfrm>
+            <a:off x="1462953" y="3717394"/>
+            <a:ext cx="9266093" cy="2594506"/>
+          </a:xfrm>
+          <a:prstGeom prst="rect">
+            <a:avLst/>
+          </a:prstGeom>
+          <a:noFill/>
+          <a:extLst>
+            <a:ext uri="{909E8E84-426E-40DD-AFC4-6F175D3DCCD1}">
+              <a14:hiddenFill xmlns:a14="http://schemas.microsoft.com/office/drawing/2010/main">
+                <a:solidFill>
+                  <a:srgbClr val="FFFFFF"/>
+                </a:solidFill>
+              </a14:hiddenFill>
+            </a:ext>
+          </a:extLst>
+        </p:spPr>
+      </p:pic>
+    </p:spTree>
+    <p:extLst>
+      <p:ext uri="{BB962C8B-B14F-4D97-AF65-F5344CB8AC3E}">
+        <p14:creationId xmlns:p14="http://schemas.microsoft.com/office/powerpoint/2010/main" val="1073761525"/>
+      </p:ext>
+    </p:extLst>
+  </p:cSld>
+  <p:clrMapOvr>
+    <a:masterClrMapping/>
+  </p:clrMapOvr>
+</p:sld>
+</file>
+
+<file path=ppt/slides/slide5.xml><?xml version="1.0" encoding="utf-8"?>
+<p:sld xmlns:a="http://schemas.openxmlformats.org/drawingml/2006/main" xmlns:r="http://schemas.openxmlformats.org/officeDocument/2006/relationships" xmlns:p="http://schemas.openxmlformats.org/presentationml/2006/main">
+  <p:cSld>
+    <p:spTree>
+      <p:nvGrpSpPr>
+        <p:cNvPr id="1" name=""/>
+        <p:cNvGrpSpPr/>
+        <p:nvPr/>
+      </p:nvGrpSpPr>
+      <p:grpSpPr>
+        <a:xfrm>
+          <a:off x="0" y="0"/>
+          <a:ext cx="0" cy="0"/>
+          <a:chOff x="0" y="0"/>
+          <a:chExt cx="0" cy="0"/>
+        </a:xfrm>
+      </p:grpSpPr>
+      <p:sp>
+        <p:nvSpPr>
+          <p:cNvPr id="2" name="Titel 1">
+            <a:extLst>
+              <a:ext uri="{FF2B5EF4-FFF2-40B4-BE49-F238E27FC236}">
+                <a16:creationId xmlns:a16="http://schemas.microsoft.com/office/drawing/2014/main" id="{619DF5D0-26EE-6F90-47D1-45C0708E292C}"/>
+              </a:ext>
+            </a:extLst>
+          </p:cNvPr>
+          <p:cNvSpPr>
+            <a:spLocks noGrp="1"/>
+          </p:cNvSpPr>
+          <p:nvPr>
+            <p:ph type="title"/>
+          </p:nvPr>
+        </p:nvSpPr>
+        <p:spPr/>
+        <p:txBody>
+          <a:bodyPr/>
+          <a:lstStyle/>
+          <a:p>
+            <a:r>
+              <a:rPr lang="da-DK" dirty="0">
+                <a:latin typeface="Times New Roman" panose="02020603050405020304" pitchFamily="18" charset="0"/>
+                <a:cs typeface="Times New Roman" panose="02020603050405020304" pitchFamily="18" charset="0"/>
+              </a:rPr>
+              <a:t>How do </a:t>
+            </a:r>
+            <a:r>
+              <a:rPr lang="da-DK" dirty="0" err="1">
+                <a:latin typeface="Times New Roman" panose="02020603050405020304" pitchFamily="18" charset="0"/>
+                <a:cs typeface="Times New Roman" panose="02020603050405020304" pitchFamily="18" charset="0"/>
+              </a:rPr>
+              <a:t>we</a:t>
+            </a:r>
+            <a:r>
+              <a:rPr lang="da-DK" dirty="0">
+                <a:latin typeface="Times New Roman" panose="02020603050405020304" pitchFamily="18" charset="0"/>
+                <a:cs typeface="Times New Roman" panose="02020603050405020304" pitchFamily="18" charset="0"/>
+              </a:rPr>
+              <a:t> </a:t>
+            </a:r>
+            <a:r>
+              <a:rPr lang="da-DK" dirty="0" err="1">
+                <a:latin typeface="Times New Roman" panose="02020603050405020304" pitchFamily="18" charset="0"/>
+                <a:cs typeface="Times New Roman" panose="02020603050405020304" pitchFamily="18" charset="0"/>
+              </a:rPr>
+              <a:t>implement</a:t>
+            </a:r>
+            <a:r>
+              <a:rPr lang="da-DK" dirty="0">
+                <a:latin typeface="Times New Roman" panose="02020603050405020304" pitchFamily="18" charset="0"/>
+                <a:cs typeface="Times New Roman" panose="02020603050405020304" pitchFamily="18" charset="0"/>
+              </a:rPr>
+              <a:t> </a:t>
+            </a:r>
+            <a:r>
+              <a:rPr lang="da-DK" dirty="0" err="1">
+                <a:latin typeface="Times New Roman" panose="02020603050405020304" pitchFamily="18" charset="0"/>
+                <a:cs typeface="Times New Roman" panose="02020603050405020304" pitchFamily="18" charset="0"/>
+              </a:rPr>
+              <a:t>this</a:t>
+            </a:r>
+            <a:r>
+              <a:rPr lang="da-DK" dirty="0">
+                <a:latin typeface="Times New Roman" panose="02020603050405020304" pitchFamily="18" charset="0"/>
+                <a:cs typeface="Times New Roman" panose="02020603050405020304" pitchFamily="18" charset="0"/>
+              </a:rPr>
+              <a:t>?</a:t>
+            </a:r>
+          </a:p>
+        </p:txBody>
+      </p:sp>
+      <p:sp>
+        <p:nvSpPr>
+          <p:cNvPr id="3" name="Pladsholder til indhold 2">
+            <a:extLst>
+              <a:ext uri="{FF2B5EF4-FFF2-40B4-BE49-F238E27FC236}">
+                <a16:creationId xmlns:a16="http://schemas.microsoft.com/office/drawing/2014/main" id="{C5CE104B-E821-CECE-68FB-0B8DC43A0BEC}"/>
+              </a:ext>
+            </a:extLst>
+          </p:cNvPr>
+          <p:cNvSpPr>
+            <a:spLocks noGrp="1"/>
+          </p:cNvSpPr>
+          <p:nvPr>
+            <p:ph idx="1"/>
+          </p:nvPr>
+        </p:nvSpPr>
+        <p:spPr>
+          <a:xfrm>
+            <a:off x="838200" y="1697431"/>
+            <a:ext cx="10515600" cy="4351338"/>
+          </a:xfrm>
+        </p:spPr>
+        <p:txBody>
+          <a:bodyPr/>
+          <a:lstStyle/>
+          <a:p>
+            <a:r>
+              <a:rPr lang="da-DK" dirty="0">
+                <a:latin typeface="Times New Roman" panose="02020603050405020304" pitchFamily="18" charset="0"/>
+                <a:cs typeface="Times New Roman" panose="02020603050405020304" pitchFamily="18" charset="0"/>
+              </a:rPr>
+              <a:t>Idea from </a:t>
+            </a:r>
+            <a:r>
+              <a:rPr lang="da-DK" dirty="0" err="1">
+                <a:latin typeface="Times New Roman" panose="02020603050405020304" pitchFamily="18" charset="0"/>
+                <a:cs typeface="Times New Roman" panose="02020603050405020304" pitchFamily="18" charset="0"/>
+              </a:rPr>
+              <a:t>PairWiseDistanceMatrix</a:t>
+            </a:r>
+            <a:r>
+              <a:rPr lang="da-DK" dirty="0">
+                <a:latin typeface="Times New Roman" panose="02020603050405020304" pitchFamily="18" charset="0"/>
+                <a:cs typeface="Times New Roman" panose="02020603050405020304" pitchFamily="18" charset="0"/>
+              </a:rPr>
+              <a:t> </a:t>
+            </a:r>
+            <a:r>
+              <a:rPr lang="da-DK" dirty="0">
+                <a:latin typeface="Times New Roman" panose="02020603050405020304" pitchFamily="18" charset="0"/>
+                <a:cs typeface="Times New Roman" panose="02020603050405020304" pitchFamily="18" charset="0"/>
+                <a:sym typeface="Wingdings" panose="05000000000000000000" pitchFamily="2" charset="2"/>
+              </a:rPr>
+              <a:t> </a:t>
+            </a:r>
+            <a:r>
+              <a:rPr lang="da-DK" dirty="0" err="1">
+                <a:latin typeface="Times New Roman" panose="02020603050405020304" pitchFamily="18" charset="0"/>
+                <a:cs typeface="Times New Roman" panose="02020603050405020304" pitchFamily="18" charset="0"/>
+                <a:sym typeface="Wingdings" panose="05000000000000000000" pitchFamily="2" charset="2"/>
+              </a:rPr>
+              <a:t>Adjacency</a:t>
+            </a:r>
+            <a:r>
+              <a:rPr lang="da-DK" dirty="0">
+                <a:latin typeface="Times New Roman" panose="02020603050405020304" pitchFamily="18" charset="0"/>
+                <a:cs typeface="Times New Roman" panose="02020603050405020304" pitchFamily="18" charset="0"/>
+                <a:sym typeface="Wingdings" panose="05000000000000000000" pitchFamily="2" charset="2"/>
+              </a:rPr>
+              <a:t> matrix</a:t>
+            </a:r>
+          </a:p>
+          <a:p>
+            <a:endParaRPr lang="da-DK" dirty="0">
+              <a:latin typeface="Times New Roman" panose="02020603050405020304" pitchFamily="18" charset="0"/>
+              <a:cs typeface="Times New Roman" panose="02020603050405020304" pitchFamily="18" charset="0"/>
+            </a:endParaRPr>
+          </a:p>
+          <a:p>
+            <a:endParaRPr lang="da-DK" dirty="0">
+              <a:latin typeface="Times New Roman" panose="02020603050405020304" pitchFamily="18" charset="0"/>
+              <a:cs typeface="Times New Roman" panose="02020603050405020304" pitchFamily="18" charset="0"/>
+            </a:endParaRPr>
+          </a:p>
+        </p:txBody>
+      </p:sp>
+      <p:pic>
+        <p:nvPicPr>
+          <p:cNvPr id="1028" name="Picture 4" descr="GraphicMaths - Adjacency matrices">
+            <a:extLst>
+              <a:ext uri="{FF2B5EF4-FFF2-40B4-BE49-F238E27FC236}">
+                <a16:creationId xmlns:a16="http://schemas.microsoft.com/office/drawing/2014/main" id="{B0BA6C15-DB4C-D114-FDDC-A9671C4557E0}"/>
+              </a:ext>
+            </a:extLst>
+          </p:cNvPr>
+          <p:cNvPicPr>
+            <a:picLocks noChangeAspect="1" noChangeArrowheads="1"/>
+          </p:cNvPicPr>
+          <p:nvPr/>
+        </p:nvPicPr>
+        <p:blipFill>
+          <a:blip r:embed="rId2">
+            <a:extLst>
+              <a:ext uri="{28A0092B-C50C-407E-A947-70E740481C1C}">
+                <a14:useLocalDpi xmlns:a14="http://schemas.microsoft.com/office/drawing/2010/main" val="0"/>
+              </a:ext>
+            </a:extLst>
+          </a:blip>
+          <a:srcRect/>
+          <a:stretch>
+            <a:fillRect/>
+          </a:stretch>
+        </p:blipFill>
+        <p:spPr bwMode="auto">
+          <a:xfrm>
+            <a:off x="342146" y="2297657"/>
+            <a:ext cx="3849231" cy="1924616"/>
+          </a:xfrm>
+          <a:prstGeom prst="rect">
+            <a:avLst/>
+          </a:prstGeom>
+          <a:noFill/>
+          <a:extLst>
+            <a:ext uri="{909E8E84-426E-40DD-AFC4-6F175D3DCCD1}">
+              <a14:hiddenFill xmlns:a14="http://schemas.microsoft.com/office/drawing/2010/main">
+                <a:solidFill>
+                  <a:srgbClr val="FFFFFF"/>
+                </a:solidFill>
+              </a14:hiddenFill>
+            </a:ext>
+          </a:extLst>
+        </p:spPr>
+      </p:pic>
+      <p:pic>
+        <p:nvPicPr>
+          <p:cNvPr id="5" name="Billede 4">
+            <a:extLst>
+              <a:ext uri="{FF2B5EF4-FFF2-40B4-BE49-F238E27FC236}">
+                <a16:creationId xmlns:a16="http://schemas.microsoft.com/office/drawing/2014/main" id="{75F95AA1-8EB4-3737-C94F-9176EB30BB67}"/>
+              </a:ext>
+            </a:extLst>
+          </p:cNvPr>
+          <p:cNvPicPr>
+            <a:picLocks noChangeAspect="1"/>
+          </p:cNvPicPr>
+          <p:nvPr/>
+        </p:nvPicPr>
+        <p:blipFill>
+          <a:blip r:embed="rId3"/>
+          <a:stretch>
+            <a:fillRect/>
+          </a:stretch>
+        </p:blipFill>
+        <p:spPr>
+          <a:xfrm>
+            <a:off x="2788467" y="4344155"/>
+            <a:ext cx="8302028" cy="2409613"/>
+          </a:xfrm>
+          <a:prstGeom prst="rect">
+            <a:avLst/>
+          </a:prstGeom>
+        </p:spPr>
+      </p:pic>
+      <p:cxnSp>
+        <p:nvCxnSpPr>
+          <p:cNvPr id="7" name="Lige pilforbindelse 6">
+            <a:extLst>
+              <a:ext uri="{FF2B5EF4-FFF2-40B4-BE49-F238E27FC236}">
+                <a16:creationId xmlns:a16="http://schemas.microsoft.com/office/drawing/2014/main" id="{40F25397-0E95-A2F4-F886-B4A9FB4CB318}"/>
+              </a:ext>
+            </a:extLst>
+          </p:cNvPr>
+          <p:cNvCxnSpPr/>
+          <p:nvPr/>
+        </p:nvCxnSpPr>
+        <p:spPr>
+          <a:xfrm>
+            <a:off x="4191377" y="3315777"/>
+            <a:ext cx="887240" cy="0"/>
+          </a:xfrm>
+          <a:prstGeom prst="straightConnector1">
+            <a:avLst/>
+          </a:prstGeom>
+          <a:ln w="38100">
+            <a:tailEnd type="triangle"/>
+          </a:ln>
+        </p:spPr>
+        <p:style>
+          <a:lnRef idx="2">
+            <a:schemeClr val="dk1"/>
+          </a:lnRef>
+          <a:fillRef idx="0">
+            <a:schemeClr val="dk1"/>
+          </a:fillRef>
+          <a:effectRef idx="1">
+            <a:schemeClr val="dk1"/>
+          </a:effectRef>
+          <a:fontRef idx="minor">
+            <a:schemeClr val="tx1"/>
+          </a:fontRef>
+        </p:style>
+      </p:cxnSp>
+      <p:pic>
+        <p:nvPicPr>
+          <p:cNvPr id="9" name="Billede 8">
+            <a:extLst>
+              <a:ext uri="{FF2B5EF4-FFF2-40B4-BE49-F238E27FC236}">
+                <a16:creationId xmlns:a16="http://schemas.microsoft.com/office/drawing/2014/main" id="{99B5A0D2-5A15-8569-5A4E-2327C6617950}"/>
+              </a:ext>
+            </a:extLst>
+          </p:cNvPr>
+          <p:cNvPicPr>
+            <a:picLocks noChangeAspect="1"/>
+          </p:cNvPicPr>
+          <p:nvPr/>
+        </p:nvPicPr>
+        <p:blipFill>
+          <a:blip r:embed="rId4"/>
+          <a:stretch>
+            <a:fillRect/>
+          </a:stretch>
+        </p:blipFill>
+        <p:spPr>
+          <a:xfrm>
+            <a:off x="5078617" y="3011223"/>
+            <a:ext cx="1552575" cy="628650"/>
+          </a:xfrm>
+          <a:prstGeom prst="rect">
+            <a:avLst/>
+          </a:prstGeom>
+        </p:spPr>
+      </p:pic>
+      <p:cxnSp>
+        <p:nvCxnSpPr>
+          <p:cNvPr id="11" name="Lige pilforbindelse 10">
+            <a:extLst>
+              <a:ext uri="{FF2B5EF4-FFF2-40B4-BE49-F238E27FC236}">
+                <a16:creationId xmlns:a16="http://schemas.microsoft.com/office/drawing/2014/main" id="{49F29C69-6740-02CC-9E89-3A2E4D94436B}"/>
+              </a:ext>
+            </a:extLst>
+          </p:cNvPr>
+          <p:cNvCxnSpPr>
+            <a:cxnSpLocks/>
+          </p:cNvCxnSpPr>
+          <p:nvPr/>
+        </p:nvCxnSpPr>
+        <p:spPr>
+          <a:xfrm>
+            <a:off x="3503690" y="4344155"/>
+            <a:ext cx="6581871" cy="0"/>
+          </a:xfrm>
+          <a:prstGeom prst="straightConnector1">
+            <a:avLst/>
+          </a:prstGeom>
+          <a:ln w="38100">
+            <a:tailEnd type="triangle"/>
+          </a:ln>
+        </p:spPr>
+        <p:style>
+          <a:lnRef idx="2">
+            <a:schemeClr val="dk1"/>
+          </a:lnRef>
+          <a:fillRef idx="0">
+            <a:schemeClr val="dk1"/>
+          </a:fillRef>
+          <a:effectRef idx="1">
+            <a:schemeClr val="dk1"/>
+          </a:effectRef>
+          <a:fontRef idx="minor">
+            <a:schemeClr val="tx1"/>
+          </a:fontRef>
+        </p:style>
+      </p:cxnSp>
+      <p:sp>
+        <p:nvSpPr>
+          <p:cNvPr id="13" name="Tekstfelt 12">
+            <a:extLst>
+              <a:ext uri="{FF2B5EF4-FFF2-40B4-BE49-F238E27FC236}">
+                <a16:creationId xmlns:a16="http://schemas.microsoft.com/office/drawing/2014/main" id="{A5567A6C-F1FF-43A2-0892-617747DB5F80}"/>
+              </a:ext>
+            </a:extLst>
+          </p:cNvPr>
+          <p:cNvSpPr txBox="1"/>
+          <p:nvPr/>
+        </p:nvSpPr>
+        <p:spPr>
+          <a:xfrm>
+            <a:off x="4042527" y="2864573"/>
+            <a:ext cx="1184940" cy="369332"/>
+          </a:xfrm>
+          <a:prstGeom prst="rect">
+            <a:avLst/>
+          </a:prstGeom>
+          <a:noFill/>
+        </p:spPr>
+        <p:txBody>
+          <a:bodyPr wrap="none" rtlCol="0">
+            <a:spAutoFit/>
+          </a:bodyPr>
+          <a:lstStyle/>
+          <a:p>
+            <a:r>
+              <a:rPr lang="da-DK" dirty="0" err="1">
+                <a:latin typeface="Times New Roman" panose="02020603050405020304" pitchFamily="18" charset="0"/>
+                <a:cs typeface="Times New Roman" panose="02020603050405020304" pitchFamily="18" charset="0"/>
+              </a:rPr>
+              <a:t>Equivalent</a:t>
+            </a:r>
+            <a:endParaRPr lang="da-DK" dirty="0">
+              <a:latin typeface="Times New Roman" panose="02020603050405020304" pitchFamily="18" charset="0"/>
+              <a:cs typeface="Times New Roman" panose="02020603050405020304" pitchFamily="18" charset="0"/>
+            </a:endParaRPr>
+          </a:p>
+        </p:txBody>
+      </p:sp>
+      <p:sp>
+        <p:nvSpPr>
+          <p:cNvPr id="14" name="Tekstfelt 13">
+            <a:extLst>
+              <a:ext uri="{FF2B5EF4-FFF2-40B4-BE49-F238E27FC236}">
+                <a16:creationId xmlns:a16="http://schemas.microsoft.com/office/drawing/2014/main" id="{F39D29DA-7FBC-1296-1035-34312C71D097}"/>
+              </a:ext>
+            </a:extLst>
+          </p:cNvPr>
+          <p:cNvSpPr txBox="1"/>
+          <p:nvPr/>
+        </p:nvSpPr>
+        <p:spPr>
+          <a:xfrm>
+            <a:off x="8962931" y="3873100"/>
+            <a:ext cx="1805687" cy="369332"/>
+          </a:xfrm>
+          <a:prstGeom prst="rect">
+            <a:avLst/>
+          </a:prstGeom>
+          <a:noFill/>
+        </p:spPr>
+        <p:txBody>
+          <a:bodyPr wrap="none" rtlCol="0">
+            <a:spAutoFit/>
+          </a:bodyPr>
+          <a:lstStyle/>
+          <a:p>
+            <a:r>
+              <a:rPr lang="da-DK" dirty="0" err="1">
+                <a:latin typeface="Times New Roman" panose="02020603050405020304" pitchFamily="18" charset="0"/>
+                <a:cs typeface="Times New Roman" panose="02020603050405020304" pitchFamily="18" charset="0"/>
+              </a:rPr>
+              <a:t>Increasing</a:t>
+            </a:r>
+            <a:r>
+              <a:rPr lang="da-DK" dirty="0">
+                <a:latin typeface="Times New Roman" panose="02020603050405020304" pitchFamily="18" charset="0"/>
+                <a:cs typeface="Times New Roman" panose="02020603050405020304" pitchFamily="18" charset="0"/>
+              </a:rPr>
+              <a:t> </a:t>
+            </a:r>
+            <a:r>
+              <a:rPr lang="da-DK" dirty="0" err="1">
+                <a:latin typeface="Times New Roman" panose="02020603050405020304" pitchFamily="18" charset="0"/>
+                <a:cs typeface="Times New Roman" panose="02020603050405020304" pitchFamily="18" charset="0"/>
+              </a:rPr>
+              <a:t>Layer</a:t>
+            </a:r>
+            <a:endParaRPr lang="da-DK" dirty="0">
+              <a:latin typeface="Times New Roman" panose="02020603050405020304" pitchFamily="18" charset="0"/>
+              <a:cs typeface="Times New Roman" panose="02020603050405020304" pitchFamily="18" charset="0"/>
+            </a:endParaRPr>
+          </a:p>
+        </p:txBody>
+      </p:sp>
+    </p:spTree>
+    <p:extLst>
+      <p:ext uri="{BB962C8B-B14F-4D97-AF65-F5344CB8AC3E}">
+        <p14:creationId xmlns:p14="http://schemas.microsoft.com/office/powerpoint/2010/main" val="2664382469"/>
+      </p:ext>
+    </p:extLst>
+  </p:cSld>
+  <p:clrMapOvr>
+    <a:masterClrMapping/>
+  </p:clrMapOvr>
+</p:sld>
+</file>
+
+<file path=ppt/slides/slide6.xml><?xml version="1.0" encoding="utf-8"?>
+<p:sld xmlns:a="http://schemas.openxmlformats.org/drawingml/2006/main" xmlns:r="http://schemas.openxmlformats.org/officeDocument/2006/relationships" xmlns:p="http://schemas.openxmlformats.org/presentationml/2006/main">
+  <p:cSld>
+    <p:spTree>
+      <p:nvGrpSpPr>
+        <p:cNvPr id="1" name=""/>
+        <p:cNvGrpSpPr/>
+        <p:nvPr/>
+      </p:nvGrpSpPr>
+      <p:grpSpPr>
+        <a:xfrm>
+          <a:off x="0" y="0"/>
+          <a:ext cx="0" cy="0"/>
+          <a:chOff x="0" y="0"/>
+          <a:chExt cx="0" cy="0"/>
+        </a:xfrm>
+      </p:grpSpPr>
+      <p:sp>
+        <p:nvSpPr>
+          <p:cNvPr id="2" name="Titel 1">
+            <a:extLst>
+              <a:ext uri="{FF2B5EF4-FFF2-40B4-BE49-F238E27FC236}">
+                <a16:creationId xmlns:a16="http://schemas.microsoft.com/office/drawing/2014/main" id="{FBBAD5CC-5AB6-0E14-3CE9-375778F2DA27}"/>
+              </a:ext>
+            </a:extLst>
+          </p:cNvPr>
+          <p:cNvSpPr>
+            <a:spLocks noGrp="1"/>
+          </p:cNvSpPr>
+          <p:nvPr>
+            <p:ph type="title"/>
+          </p:nvPr>
+        </p:nvSpPr>
+        <p:spPr/>
+        <p:txBody>
+          <a:bodyPr/>
+          <a:lstStyle/>
+          <a:p>
+            <a:r>
+              <a:rPr lang="da-DK" dirty="0">
+                <a:latin typeface="Times New Roman" panose="02020603050405020304" pitchFamily="18" charset="0"/>
+                <a:cs typeface="Times New Roman" panose="02020603050405020304" pitchFamily="18" charset="0"/>
+              </a:rPr>
+              <a:t>How do </a:t>
+            </a:r>
+            <a:r>
+              <a:rPr lang="da-DK" dirty="0" err="1">
+                <a:latin typeface="Times New Roman" panose="02020603050405020304" pitchFamily="18" charset="0"/>
+                <a:cs typeface="Times New Roman" panose="02020603050405020304" pitchFamily="18" charset="0"/>
+              </a:rPr>
+              <a:t>we</a:t>
+            </a:r>
+            <a:r>
+              <a:rPr lang="da-DK" dirty="0">
+                <a:latin typeface="Times New Roman" panose="02020603050405020304" pitchFamily="18" charset="0"/>
+                <a:cs typeface="Times New Roman" panose="02020603050405020304" pitchFamily="18" charset="0"/>
+              </a:rPr>
+              <a:t> </a:t>
+            </a:r>
+            <a:r>
+              <a:rPr lang="da-DK" dirty="0" err="1">
+                <a:latin typeface="Times New Roman" panose="02020603050405020304" pitchFamily="18" charset="0"/>
+                <a:cs typeface="Times New Roman" panose="02020603050405020304" pitchFamily="18" charset="0"/>
+              </a:rPr>
+              <a:t>implement</a:t>
+            </a:r>
+            <a:r>
+              <a:rPr lang="da-DK" dirty="0">
+                <a:latin typeface="Times New Roman" panose="02020603050405020304" pitchFamily="18" charset="0"/>
+                <a:cs typeface="Times New Roman" panose="02020603050405020304" pitchFamily="18" charset="0"/>
+              </a:rPr>
+              <a:t> </a:t>
+            </a:r>
+            <a:r>
+              <a:rPr lang="da-DK" dirty="0" err="1">
+                <a:latin typeface="Times New Roman" panose="02020603050405020304" pitchFamily="18" charset="0"/>
+                <a:cs typeface="Times New Roman" panose="02020603050405020304" pitchFamily="18" charset="0"/>
+              </a:rPr>
+              <a:t>this</a:t>
+            </a:r>
+            <a:r>
+              <a:rPr lang="da-DK" dirty="0">
+                <a:latin typeface="Times New Roman" panose="02020603050405020304" pitchFamily="18" charset="0"/>
+                <a:cs typeface="Times New Roman" panose="02020603050405020304" pitchFamily="18" charset="0"/>
+              </a:rPr>
+              <a:t>?</a:t>
+            </a:r>
+          </a:p>
+        </p:txBody>
+      </p:sp>
+      <p:pic>
+        <p:nvPicPr>
+          <p:cNvPr id="5" name="Pladsholder til indhold 4">
+            <a:extLst>
+              <a:ext uri="{FF2B5EF4-FFF2-40B4-BE49-F238E27FC236}">
+                <a16:creationId xmlns:a16="http://schemas.microsoft.com/office/drawing/2014/main" id="{6084B3C5-57AF-05F2-C6DA-2A4247C9C1B4}"/>
+              </a:ext>
+            </a:extLst>
+          </p:cNvPr>
+          <p:cNvPicPr>
+            <a:picLocks noGrp="1" noChangeAspect="1"/>
+          </p:cNvPicPr>
+          <p:nvPr>
+            <p:ph idx="1"/>
+          </p:nvPr>
+        </p:nvPicPr>
+        <p:blipFill>
+          <a:blip r:embed="rId2"/>
+          <a:stretch>
+            <a:fillRect/>
+          </a:stretch>
+        </p:blipFill>
+        <p:spPr>
+          <a:xfrm>
+            <a:off x="4436198" y="1352224"/>
+            <a:ext cx="7339502" cy="5505776"/>
+          </a:xfrm>
+        </p:spPr>
+      </p:pic>
+      <p:sp>
+        <p:nvSpPr>
+          <p:cNvPr id="6" name="Tekstfelt 5">
+            <a:extLst>
+              <a:ext uri="{FF2B5EF4-FFF2-40B4-BE49-F238E27FC236}">
+                <a16:creationId xmlns:a16="http://schemas.microsoft.com/office/drawing/2014/main" id="{CC76FF7A-F481-9F79-978B-23DF7DE658C4}"/>
+              </a:ext>
+            </a:extLst>
+          </p:cNvPr>
+          <p:cNvSpPr txBox="1"/>
+          <p:nvPr/>
+        </p:nvSpPr>
+        <p:spPr>
+          <a:xfrm>
+            <a:off x="208071" y="1892174"/>
+            <a:ext cx="4372824" cy="1815882"/>
+          </a:xfrm>
+          <a:prstGeom prst="rect">
+            <a:avLst/>
+          </a:prstGeom>
+          <a:noFill/>
+        </p:spPr>
+        <p:txBody>
+          <a:bodyPr wrap="square" rtlCol="0">
+            <a:spAutoFit/>
+          </a:bodyPr>
+          <a:lstStyle/>
+          <a:p>
+            <a:pPr marL="457200" indent="-457200">
+              <a:buFont typeface="Arial" panose="020B0604020202020204" pitchFamily="34" charset="0"/>
+              <a:buChar char="•"/>
+            </a:pPr>
+            <a:r>
+              <a:rPr lang="da-DK" sz="2800" dirty="0" err="1">
+                <a:latin typeface="Times New Roman" panose="02020603050405020304" pitchFamily="18" charset="0"/>
+                <a:cs typeface="Times New Roman" panose="02020603050405020304" pitchFamily="18" charset="0"/>
+              </a:rPr>
+              <a:t>Layers</a:t>
+            </a:r>
+            <a:r>
+              <a:rPr lang="da-DK" sz="2800" dirty="0">
+                <a:latin typeface="Times New Roman" panose="02020603050405020304" pitchFamily="18" charset="0"/>
+                <a:cs typeface="Times New Roman" panose="02020603050405020304" pitchFamily="18" charset="0"/>
+              </a:rPr>
+              <a:t> like </a:t>
+            </a:r>
+            <a:r>
+              <a:rPr lang="da-DK" sz="2800" dirty="0" err="1">
+                <a:latin typeface="Times New Roman" panose="02020603050405020304" pitchFamily="18" charset="0"/>
+                <a:cs typeface="Times New Roman" panose="02020603050405020304" pitchFamily="18" charset="0"/>
+              </a:rPr>
+              <a:t>regular</a:t>
+            </a:r>
+            <a:r>
+              <a:rPr lang="da-DK" sz="2800" dirty="0">
+                <a:latin typeface="Times New Roman" panose="02020603050405020304" pitchFamily="18" charset="0"/>
+                <a:cs typeface="Times New Roman" panose="02020603050405020304" pitchFamily="18" charset="0"/>
+              </a:rPr>
+              <a:t> NN</a:t>
+            </a:r>
+          </a:p>
+          <a:p>
+            <a:pPr marL="457200" indent="-457200">
+              <a:buFont typeface="Arial" panose="020B0604020202020204" pitchFamily="34" charset="0"/>
+              <a:buChar char="•"/>
+            </a:pPr>
+            <a:r>
+              <a:rPr lang="da-DK" sz="2800" dirty="0" err="1">
+                <a:latin typeface="Times New Roman" panose="02020603050405020304" pitchFamily="18" charset="0"/>
+                <a:cs typeface="Times New Roman" panose="02020603050405020304" pitchFamily="18" charset="0"/>
+              </a:rPr>
+              <a:t>Maybe</a:t>
+            </a:r>
+            <a:r>
+              <a:rPr lang="da-DK" sz="2800" dirty="0">
+                <a:latin typeface="Times New Roman" panose="02020603050405020304" pitchFamily="18" charset="0"/>
+                <a:cs typeface="Times New Roman" panose="02020603050405020304" pitchFamily="18" charset="0"/>
+              </a:rPr>
+              <a:t> </a:t>
+            </a:r>
+            <a:r>
+              <a:rPr lang="da-DK" sz="2800" dirty="0" err="1">
+                <a:latin typeface="Times New Roman" panose="02020603050405020304" pitchFamily="18" charset="0"/>
+                <a:cs typeface="Times New Roman" panose="02020603050405020304" pitchFamily="18" charset="0"/>
+              </a:rPr>
+              <a:t>use</a:t>
+            </a:r>
+            <a:r>
+              <a:rPr lang="da-DK" sz="2800" dirty="0">
+                <a:latin typeface="Times New Roman" panose="02020603050405020304" pitchFamily="18" charset="0"/>
+                <a:cs typeface="Times New Roman" panose="02020603050405020304" pitchFamily="18" charset="0"/>
+              </a:rPr>
+              <a:t> all </a:t>
+            </a:r>
+            <a:r>
+              <a:rPr lang="da-DK" sz="2800" dirty="0" err="1">
+                <a:latin typeface="Times New Roman" panose="02020603050405020304" pitchFamily="18" charset="0"/>
+                <a:cs typeface="Times New Roman" panose="02020603050405020304" pitchFamily="18" charset="0"/>
+              </a:rPr>
+              <a:t>this</a:t>
+            </a:r>
+            <a:r>
+              <a:rPr lang="da-DK" sz="2800" dirty="0">
+                <a:latin typeface="Times New Roman" panose="02020603050405020304" pitchFamily="18" charset="0"/>
+                <a:cs typeface="Times New Roman" panose="02020603050405020304" pitchFamily="18" charset="0"/>
+              </a:rPr>
+              <a:t> as a NN and </a:t>
+            </a:r>
+            <a:r>
+              <a:rPr lang="da-DK" sz="2800" dirty="0" err="1">
+                <a:latin typeface="Times New Roman" panose="02020603050405020304" pitchFamily="18" charset="0"/>
+                <a:cs typeface="Times New Roman" panose="02020603050405020304" pitchFamily="18" charset="0"/>
+              </a:rPr>
+              <a:t>call</a:t>
+            </a:r>
+            <a:r>
+              <a:rPr lang="da-DK" sz="2800" dirty="0">
+                <a:latin typeface="Times New Roman" panose="02020603050405020304" pitchFamily="18" charset="0"/>
+                <a:cs typeface="Times New Roman" panose="02020603050405020304" pitchFamily="18" charset="0"/>
+              </a:rPr>
+              <a:t> it Graph Neural </a:t>
+            </a:r>
+            <a:r>
+              <a:rPr lang="da-DK" sz="2800" dirty="0" err="1">
+                <a:latin typeface="Times New Roman" panose="02020603050405020304" pitchFamily="18" charset="0"/>
+                <a:cs typeface="Times New Roman" panose="02020603050405020304" pitchFamily="18" charset="0"/>
+              </a:rPr>
+              <a:t>network</a:t>
+            </a:r>
+            <a:r>
+              <a:rPr lang="da-DK" sz="2800" dirty="0">
+                <a:latin typeface="Times New Roman" panose="02020603050405020304" pitchFamily="18" charset="0"/>
+                <a:cs typeface="Times New Roman" panose="02020603050405020304" pitchFamily="18" charset="0"/>
+              </a:rPr>
+              <a:t>?</a:t>
+            </a:r>
+          </a:p>
+        </p:txBody>
+      </p:sp>
+    </p:spTree>
+    <p:extLst>
+      <p:ext uri="{BB962C8B-B14F-4D97-AF65-F5344CB8AC3E}">
+        <p14:creationId xmlns:p14="http://schemas.microsoft.com/office/powerpoint/2010/main" val="1826810008"/>
+      </p:ext>
+    </p:extLst>
+  </p:cSld>
+  <p:clrMapOvr>
+    <a:masterClrMapping/>
+  </p:clrMapOvr>
+</p:sld>
+</file>
+
+<file path=ppt/slides/slide7.xml><?xml version="1.0" encoding="utf-8"?>
+<p:sld xmlns:a="http://schemas.openxmlformats.org/drawingml/2006/main" xmlns:r="http://schemas.openxmlformats.org/officeDocument/2006/relationships" xmlns:p="http://schemas.openxmlformats.org/presentationml/2006/main">
+  <p:cSld>
+    <p:spTree>
+      <p:nvGrpSpPr>
+        <p:cNvPr id="1" name=""/>
+        <p:cNvGrpSpPr/>
+        <p:nvPr/>
+      </p:nvGrpSpPr>
+      <p:grpSpPr>
+        <a:xfrm>
+          <a:off x="0" y="0"/>
+          <a:ext cx="0" cy="0"/>
+          <a:chOff x="0" y="0"/>
+          <a:chExt cx="0" cy="0"/>
+        </a:xfrm>
+      </p:grpSpPr>
+      <p:sp>
+        <p:nvSpPr>
+          <p:cNvPr id="2" name="Titel 1">
+            <a:extLst>
+              <a:ext uri="{FF2B5EF4-FFF2-40B4-BE49-F238E27FC236}">
+                <a16:creationId xmlns:a16="http://schemas.microsoft.com/office/drawing/2014/main" id="{81C1021C-53C1-95F8-6198-D81CA21EE4BF}"/>
+              </a:ext>
+            </a:extLst>
+          </p:cNvPr>
+          <p:cNvSpPr>
+            <a:spLocks noGrp="1"/>
+          </p:cNvSpPr>
+          <p:nvPr>
+            <p:ph type="title"/>
+          </p:nvPr>
+        </p:nvSpPr>
+        <p:spPr/>
+        <p:txBody>
+          <a:bodyPr/>
+          <a:lstStyle/>
+          <a:p>
+            <a:r>
+              <a:rPr lang="da-DK" dirty="0">
+                <a:latin typeface="Times New Roman" panose="02020603050405020304" pitchFamily="18" charset="0"/>
+                <a:cs typeface="Times New Roman" panose="02020603050405020304" pitchFamily="18" charset="0"/>
+              </a:rPr>
+              <a:t>How </a:t>
+            </a:r>
+            <a:r>
+              <a:rPr lang="da-DK" dirty="0" err="1">
+                <a:latin typeface="Times New Roman" panose="02020603050405020304" pitchFamily="18" charset="0"/>
+                <a:cs typeface="Times New Roman" panose="02020603050405020304" pitchFamily="18" charset="0"/>
+              </a:rPr>
+              <a:t>much</a:t>
+            </a:r>
+            <a:r>
+              <a:rPr lang="da-DK" dirty="0">
+                <a:latin typeface="Times New Roman" panose="02020603050405020304" pitchFamily="18" charset="0"/>
+                <a:cs typeface="Times New Roman" panose="02020603050405020304" pitchFamily="18" charset="0"/>
+              </a:rPr>
+              <a:t> </a:t>
+            </a:r>
+            <a:r>
+              <a:rPr lang="da-DK" dirty="0" err="1">
+                <a:latin typeface="Times New Roman" panose="02020603050405020304" pitchFamily="18" charset="0"/>
+                <a:cs typeface="Times New Roman" panose="02020603050405020304" pitchFamily="18" charset="0"/>
+              </a:rPr>
+              <a:t>can</a:t>
+            </a:r>
+            <a:r>
+              <a:rPr lang="da-DK" dirty="0">
+                <a:latin typeface="Times New Roman" panose="02020603050405020304" pitchFamily="18" charset="0"/>
+                <a:cs typeface="Times New Roman" panose="02020603050405020304" pitchFamily="18" charset="0"/>
+              </a:rPr>
+              <a:t> </a:t>
+            </a:r>
+            <a:r>
+              <a:rPr lang="da-DK" dirty="0" err="1">
+                <a:latin typeface="Times New Roman" panose="02020603050405020304" pitchFamily="18" charset="0"/>
+                <a:cs typeface="Times New Roman" panose="02020603050405020304" pitchFamily="18" charset="0"/>
+              </a:rPr>
+              <a:t>we</a:t>
+            </a:r>
+            <a:r>
+              <a:rPr lang="da-DK" dirty="0">
+                <a:latin typeface="Times New Roman" panose="02020603050405020304" pitchFamily="18" charset="0"/>
+                <a:cs typeface="Times New Roman" panose="02020603050405020304" pitchFamily="18" charset="0"/>
+              </a:rPr>
+              <a:t> </a:t>
+            </a:r>
+            <a:r>
+              <a:rPr lang="da-DK" dirty="0" err="1">
+                <a:latin typeface="Times New Roman" panose="02020603050405020304" pitchFamily="18" charset="0"/>
+                <a:cs typeface="Times New Roman" panose="02020603050405020304" pitchFamily="18" charset="0"/>
+              </a:rPr>
+              <a:t>generalize</a:t>
+            </a:r>
+            <a:r>
+              <a:rPr lang="da-DK" dirty="0">
+                <a:latin typeface="Times New Roman" panose="02020603050405020304" pitchFamily="18" charset="0"/>
+                <a:cs typeface="Times New Roman" panose="02020603050405020304" pitchFamily="18" charset="0"/>
+              </a:rPr>
+              <a:t> and </a:t>
+            </a:r>
+            <a:r>
+              <a:rPr lang="da-DK" dirty="0" err="1">
+                <a:latin typeface="Times New Roman" panose="02020603050405020304" pitchFamily="18" charset="0"/>
+                <a:cs typeface="Times New Roman" panose="02020603050405020304" pitchFamily="18" charset="0"/>
+              </a:rPr>
+              <a:t>learn</a:t>
+            </a:r>
+            <a:r>
+              <a:rPr lang="da-DK" dirty="0">
+                <a:latin typeface="Times New Roman" panose="02020603050405020304" pitchFamily="18" charset="0"/>
+                <a:cs typeface="Times New Roman" panose="02020603050405020304" pitchFamily="18" charset="0"/>
+              </a:rPr>
+              <a:t>?</a:t>
+            </a:r>
+          </a:p>
+        </p:txBody>
+      </p:sp>
+      <p:sp>
+        <p:nvSpPr>
+          <p:cNvPr id="3" name="Pladsholder til indhold 2">
+            <a:extLst>
+              <a:ext uri="{FF2B5EF4-FFF2-40B4-BE49-F238E27FC236}">
+                <a16:creationId xmlns:a16="http://schemas.microsoft.com/office/drawing/2014/main" id="{6DF1A284-E5D9-8DE6-A2BC-6E5F5FE64D6E}"/>
+              </a:ext>
+            </a:extLst>
+          </p:cNvPr>
+          <p:cNvSpPr>
+            <a:spLocks noGrp="1"/>
+          </p:cNvSpPr>
+          <p:nvPr>
+            <p:ph idx="1"/>
+          </p:nvPr>
+        </p:nvSpPr>
+        <p:spPr/>
+        <p:txBody>
+          <a:bodyPr/>
+          <a:lstStyle/>
+          <a:p>
+            <a:r>
+              <a:rPr lang="en-US" dirty="0">
+                <a:latin typeface="Times New Roman" panose="02020603050405020304" pitchFamily="18" charset="0"/>
+                <a:cs typeface="Times New Roman" panose="02020603050405020304" pitchFamily="18" charset="0"/>
+              </a:rPr>
+              <a:t>Nodes and edges can have features</a:t>
+            </a:r>
+          </a:p>
+          <a:p>
+            <a:r>
+              <a:rPr lang="en-US" dirty="0">
+                <a:latin typeface="Times New Roman" panose="02020603050405020304" pitchFamily="18" charset="0"/>
+                <a:cs typeface="Times New Roman" panose="02020603050405020304" pitchFamily="18" charset="0"/>
+              </a:rPr>
+              <a:t>Construct messages &amp; aggregate </a:t>
+            </a:r>
+            <a:r>
+              <a:rPr lang="en-US" dirty="0">
+                <a:latin typeface="Times New Roman" panose="02020603050405020304" pitchFamily="18" charset="0"/>
+                <a:cs typeface="Times New Roman" panose="02020603050405020304" pitchFamily="18" charset="0"/>
+                <a:sym typeface="Wingdings" panose="05000000000000000000" pitchFamily="2" charset="2"/>
+              </a:rPr>
+              <a:t> Message Passing</a:t>
+            </a:r>
+            <a:endParaRPr lang="en-US" dirty="0">
+              <a:latin typeface="Times New Roman" panose="02020603050405020304" pitchFamily="18" charset="0"/>
+              <a:cs typeface="Times New Roman" panose="02020603050405020304" pitchFamily="18" charset="0"/>
+            </a:endParaRPr>
+          </a:p>
+          <a:p>
+            <a:r>
+              <a:rPr lang="en-US" dirty="0">
+                <a:latin typeface="Times New Roman" panose="02020603050405020304" pitchFamily="18" charset="0"/>
+                <a:cs typeface="Times New Roman" panose="02020603050405020304" pitchFamily="18" charset="0"/>
+              </a:rPr>
+              <a:t>We have to aggregate information in some way?</a:t>
+            </a:r>
+          </a:p>
+          <a:p>
+            <a:r>
+              <a:rPr lang="en-US" dirty="0">
+                <a:latin typeface="Times New Roman" panose="02020603050405020304" pitchFamily="18" charset="0"/>
+                <a:cs typeface="Times New Roman" panose="02020603050405020304" pitchFamily="18" charset="0"/>
+              </a:rPr>
+              <a:t>Sums it all up:</a:t>
+            </a:r>
+          </a:p>
+        </p:txBody>
+      </p:sp>
+      <p:pic>
+        <p:nvPicPr>
+          <p:cNvPr id="4" name="Picture 2">
+            <a:extLst>
+              <a:ext uri="{FF2B5EF4-FFF2-40B4-BE49-F238E27FC236}">
+                <a16:creationId xmlns:a16="http://schemas.microsoft.com/office/drawing/2014/main" id="{081C5BBC-7BFF-C73F-C206-262DF8AFE950}"/>
+              </a:ext>
+            </a:extLst>
+          </p:cNvPr>
+          <p:cNvPicPr>
+            <a:picLocks noChangeAspect="1" noChangeArrowheads="1"/>
+          </p:cNvPicPr>
+          <p:nvPr/>
+        </p:nvPicPr>
+        <p:blipFill>
+          <a:blip r:embed="rId2">
+            <a:extLst>
+              <a:ext uri="{28A0092B-C50C-407E-A947-70E740481C1C}">
+                <a14:useLocalDpi xmlns:a14="http://schemas.microsoft.com/office/drawing/2010/main" val="0"/>
+              </a:ext>
+            </a:extLst>
+          </a:blip>
+          <a:srcRect/>
+          <a:stretch>
+            <a:fillRect/>
+          </a:stretch>
+        </p:blipFill>
+        <p:spPr bwMode="auto">
+          <a:xfrm>
+            <a:off x="3212470" y="4306986"/>
+            <a:ext cx="9266093" cy="2594506"/>
+          </a:xfrm>
+          <a:prstGeom prst="rect">
+            <a:avLst/>
+          </a:prstGeom>
+          <a:noFill/>
+          <a:extLst>
+            <a:ext uri="{909E8E84-426E-40DD-AFC4-6F175D3DCCD1}">
+              <a14:hiddenFill xmlns:a14="http://schemas.microsoft.com/office/drawing/2010/main">
+                <a:solidFill>
+                  <a:srgbClr val="FFFFFF"/>
+                </a:solidFill>
+              </a14:hiddenFill>
+            </a:ext>
+          </a:extLst>
+        </p:spPr>
+      </p:pic>
+      <p:pic>
+        <p:nvPicPr>
+          <p:cNvPr id="6" name="Billede 5">
+            <a:extLst>
+              <a:ext uri="{FF2B5EF4-FFF2-40B4-BE49-F238E27FC236}">
+                <a16:creationId xmlns:a16="http://schemas.microsoft.com/office/drawing/2014/main" id="{3981B7D0-924A-4A87-C092-7C0103145EA2}"/>
+              </a:ext>
+            </a:extLst>
+          </p:cNvPr>
+          <p:cNvPicPr>
+            <a:picLocks noChangeAspect="1"/>
+          </p:cNvPicPr>
+          <p:nvPr/>
+        </p:nvPicPr>
+        <p:blipFill>
+          <a:blip r:embed="rId3"/>
+          <a:stretch>
+            <a:fillRect/>
+          </a:stretch>
+        </p:blipFill>
+        <p:spPr>
+          <a:xfrm>
+            <a:off x="838200" y="3838402"/>
+            <a:ext cx="4574587" cy="889503"/>
+          </a:xfrm>
+          <a:prstGeom prst="rect">
+            <a:avLst/>
+          </a:prstGeom>
+        </p:spPr>
+      </p:pic>
+    </p:spTree>
+    <p:extLst>
+      <p:ext uri="{BB962C8B-B14F-4D97-AF65-F5344CB8AC3E}">
+        <p14:creationId xmlns:p14="http://schemas.microsoft.com/office/powerpoint/2010/main" val="2085791373"/>
+      </p:ext>
+    </p:extLst>
+  </p:cSld>
+  <p:clrMapOvr>
+    <a:masterClrMapping/>
+  </p:clrMapOvr>
+</p:sld>
+</file>
+
+<file path=ppt/slides/slide8.xml><?xml version="1.0" encoding="utf-8"?>
+<p:sld xmlns:a="http://schemas.openxmlformats.org/drawingml/2006/main" xmlns:r="http://schemas.openxmlformats.org/officeDocument/2006/relationships" xmlns:p="http://schemas.openxmlformats.org/presentationml/2006/main">
+  <p:cSld>
+    <p:spTree>
+      <p:nvGrpSpPr>
+        <p:cNvPr id="1" name=""/>
+        <p:cNvGrpSpPr/>
+        <p:nvPr/>
+      </p:nvGrpSpPr>
+      <p:grpSpPr>
+        <a:xfrm>
+          <a:off x="0" y="0"/>
+          <a:ext cx="0" cy="0"/>
+          <a:chOff x="0" y="0"/>
+          <a:chExt cx="0" cy="0"/>
+        </a:xfrm>
+      </p:grpSpPr>
+      <p:sp>
+        <p:nvSpPr>
+          <p:cNvPr id="2" name="Titel 1">
+            <a:extLst>
+              <a:ext uri="{FF2B5EF4-FFF2-40B4-BE49-F238E27FC236}">
+                <a16:creationId xmlns:a16="http://schemas.microsoft.com/office/drawing/2014/main" id="{3F5AC406-5A9F-3AE0-B33A-9F1CAD54F71C}"/>
+              </a:ext>
+            </a:extLst>
+          </p:cNvPr>
+          <p:cNvSpPr>
+            <a:spLocks noGrp="1"/>
+          </p:cNvSpPr>
+          <p:nvPr>
+            <p:ph type="title"/>
+          </p:nvPr>
+        </p:nvSpPr>
+        <p:spPr/>
+        <p:txBody>
+          <a:bodyPr/>
+          <a:lstStyle/>
+          <a:p>
+            <a:r>
+              <a:rPr lang="en-US" dirty="0">
+                <a:latin typeface="Times New Roman" panose="02020603050405020304" pitchFamily="18" charset="0"/>
+                <a:cs typeface="Times New Roman" panose="02020603050405020304" pitchFamily="18" charset="0"/>
+              </a:rPr>
+              <a:t>Example: Exercise 62</a:t>
+            </a:r>
+          </a:p>
+        </p:txBody>
+      </p:sp>
+      <p:sp>
+        <p:nvSpPr>
+          <p:cNvPr id="3" name="Pladsholder til indhold 2">
+            <a:extLst>
+              <a:ext uri="{FF2B5EF4-FFF2-40B4-BE49-F238E27FC236}">
+                <a16:creationId xmlns:a16="http://schemas.microsoft.com/office/drawing/2014/main" id="{29288DB3-A66C-5774-61F7-692621DD04D4}"/>
+              </a:ext>
+            </a:extLst>
+          </p:cNvPr>
+          <p:cNvSpPr>
+            <a:spLocks noGrp="1"/>
+          </p:cNvSpPr>
+          <p:nvPr>
+            <p:ph idx="1"/>
+          </p:nvPr>
+        </p:nvSpPr>
+        <p:spPr>
+          <a:xfrm>
+            <a:off x="213512" y="1517808"/>
+            <a:ext cx="5257800" cy="4357892"/>
+          </a:xfrm>
+        </p:spPr>
+        <p:txBody>
+          <a:bodyPr/>
+          <a:lstStyle/>
+          <a:p>
+            <a:r>
+              <a:rPr lang="da-DK" dirty="0">
+                <a:latin typeface="Times New Roman" panose="02020603050405020304" pitchFamily="18" charset="0"/>
+                <a:cs typeface="Times New Roman" panose="02020603050405020304" pitchFamily="18" charset="0"/>
+              </a:rPr>
+              <a:t>Try and fit </a:t>
+            </a:r>
+            <a:r>
+              <a:rPr lang="da-DK" dirty="0" err="1">
+                <a:latin typeface="Times New Roman" panose="02020603050405020304" pitchFamily="18" charset="0"/>
+                <a:cs typeface="Times New Roman" panose="02020603050405020304" pitchFamily="18" charset="0"/>
+              </a:rPr>
+              <a:t>Tight</a:t>
+            </a:r>
+            <a:r>
+              <a:rPr lang="da-DK" dirty="0">
+                <a:latin typeface="Times New Roman" panose="02020603050405020304" pitchFamily="18" charset="0"/>
+                <a:cs typeface="Times New Roman" panose="02020603050405020304" pitchFamily="18" charset="0"/>
+              </a:rPr>
+              <a:t>-Binding </a:t>
+            </a:r>
+            <a:r>
+              <a:rPr lang="da-DK" dirty="0" err="1">
+                <a:latin typeface="Times New Roman" panose="02020603050405020304" pitchFamily="18" charset="0"/>
+                <a:cs typeface="Times New Roman" panose="02020603050405020304" pitchFamily="18" charset="0"/>
+              </a:rPr>
+              <a:t>energies</a:t>
+            </a:r>
+            <a:r>
+              <a:rPr lang="da-DK" dirty="0">
+                <a:latin typeface="Times New Roman" panose="02020603050405020304" pitchFamily="18" charset="0"/>
+                <a:cs typeface="Times New Roman" panose="02020603050405020304" pitchFamily="18" charset="0"/>
+              </a:rPr>
+              <a:t> </a:t>
+            </a:r>
+            <a:r>
+              <a:rPr lang="da-DK" dirty="0" err="1">
+                <a:latin typeface="Times New Roman" panose="02020603050405020304" pitchFamily="18" charset="0"/>
+                <a:cs typeface="Times New Roman" panose="02020603050405020304" pitchFamily="18" charset="0"/>
+              </a:rPr>
+              <a:t>using</a:t>
+            </a:r>
+            <a:r>
+              <a:rPr lang="da-DK" dirty="0">
+                <a:latin typeface="Times New Roman" panose="02020603050405020304" pitchFamily="18" charset="0"/>
+                <a:cs typeface="Times New Roman" panose="02020603050405020304" pitchFamily="18" charset="0"/>
+              </a:rPr>
+              <a:t> GCNN</a:t>
+            </a:r>
+          </a:p>
+          <a:p>
+            <a:r>
+              <a:rPr lang="da-DK" dirty="0">
+                <a:latin typeface="Times New Roman" panose="02020603050405020304" pitchFamily="18" charset="0"/>
+                <a:cs typeface="Times New Roman" panose="02020603050405020304" pitchFamily="18" charset="0"/>
+              </a:rPr>
+              <a:t>Data given: Graph type &amp; global </a:t>
+            </a:r>
+            <a:r>
+              <a:rPr lang="da-DK" dirty="0" err="1">
+                <a:latin typeface="Times New Roman" panose="02020603050405020304" pitchFamily="18" charset="0"/>
+                <a:cs typeface="Times New Roman" panose="02020603050405020304" pitchFamily="18" charset="0"/>
+              </a:rPr>
+              <a:t>energies</a:t>
+            </a:r>
+            <a:endParaRPr lang="da-DK" dirty="0">
+              <a:latin typeface="Times New Roman" panose="02020603050405020304" pitchFamily="18" charset="0"/>
+              <a:cs typeface="Times New Roman" panose="02020603050405020304" pitchFamily="18" charset="0"/>
+            </a:endParaRPr>
+          </a:p>
+          <a:p>
+            <a:r>
+              <a:rPr lang="da-DK" dirty="0">
+                <a:latin typeface="Times New Roman" panose="02020603050405020304" pitchFamily="18" charset="0"/>
+                <a:cs typeface="Times New Roman" panose="02020603050405020304" pitchFamily="18" charset="0"/>
+              </a:rPr>
+              <a:t>2 types of </a:t>
+            </a:r>
+            <a:r>
+              <a:rPr lang="da-DK" dirty="0" err="1">
+                <a:latin typeface="Times New Roman" panose="02020603050405020304" pitchFamily="18" charset="0"/>
+                <a:cs typeface="Times New Roman" panose="02020603050405020304" pitchFamily="18" charset="0"/>
+              </a:rPr>
+              <a:t>energies</a:t>
+            </a:r>
+            <a:r>
+              <a:rPr lang="da-DK" dirty="0">
+                <a:latin typeface="Times New Roman" panose="02020603050405020304" pitchFamily="18" charset="0"/>
+                <a:cs typeface="Times New Roman" panose="02020603050405020304" pitchFamily="18" charset="0"/>
+              </a:rPr>
+              <a:t>:</a:t>
+            </a:r>
+          </a:p>
+          <a:p>
+            <a:pPr lvl="1"/>
+            <a:r>
+              <a:rPr lang="da-DK" dirty="0" err="1">
+                <a:latin typeface="Times New Roman" panose="02020603050405020304" pitchFamily="18" charset="0"/>
+                <a:cs typeface="Times New Roman" panose="02020603050405020304" pitchFamily="18" charset="0"/>
+              </a:rPr>
+              <a:t>Modified</a:t>
+            </a:r>
+            <a:r>
+              <a:rPr lang="da-DK" dirty="0">
+                <a:latin typeface="Times New Roman" panose="02020603050405020304" pitchFamily="18" charset="0"/>
+                <a:cs typeface="Times New Roman" panose="02020603050405020304" pitchFamily="18" charset="0"/>
+              </a:rPr>
+              <a:t> &amp; </a:t>
+            </a:r>
+            <a:r>
+              <a:rPr lang="da-DK" dirty="0" err="1">
+                <a:latin typeface="Times New Roman" panose="02020603050405020304" pitchFamily="18" charset="0"/>
+                <a:cs typeface="Times New Roman" panose="02020603050405020304" pitchFamily="18" charset="0"/>
+              </a:rPr>
+              <a:t>Unmodified</a:t>
+            </a:r>
+            <a:endParaRPr lang="da-DK" dirty="0">
+              <a:latin typeface="Times New Roman" panose="02020603050405020304" pitchFamily="18" charset="0"/>
+              <a:cs typeface="Times New Roman" panose="02020603050405020304" pitchFamily="18" charset="0"/>
+            </a:endParaRPr>
+          </a:p>
+          <a:p>
+            <a:pPr marL="0" indent="0">
+              <a:buNone/>
+            </a:pPr>
+            <a:endParaRPr lang="da-DK" dirty="0"/>
+          </a:p>
+        </p:txBody>
+      </p:sp>
+      <p:pic>
+        <p:nvPicPr>
+          <p:cNvPr id="5" name="Billede 4">
+            <a:extLst>
+              <a:ext uri="{FF2B5EF4-FFF2-40B4-BE49-F238E27FC236}">
+                <a16:creationId xmlns:a16="http://schemas.microsoft.com/office/drawing/2014/main" id="{1FD20F6C-4746-4292-E44D-F9D83AB7739A}"/>
+              </a:ext>
+            </a:extLst>
+          </p:cNvPr>
+          <p:cNvPicPr>
+            <a:picLocks noChangeAspect="1"/>
+          </p:cNvPicPr>
+          <p:nvPr/>
+        </p:nvPicPr>
+        <p:blipFill>
+          <a:blip r:embed="rId2"/>
+          <a:stretch>
+            <a:fillRect/>
+          </a:stretch>
+        </p:blipFill>
+        <p:spPr>
+          <a:xfrm>
+            <a:off x="5870144" y="787558"/>
+            <a:ext cx="6321856" cy="5818392"/>
+          </a:xfrm>
+          <a:prstGeom prst="rect">
+            <a:avLst/>
+          </a:prstGeom>
+        </p:spPr>
+      </p:pic>
+      <p:sp>
+        <p:nvSpPr>
+          <p:cNvPr id="6" name="Tekstfelt 5">
+            <a:extLst>
+              <a:ext uri="{FF2B5EF4-FFF2-40B4-BE49-F238E27FC236}">
+                <a16:creationId xmlns:a16="http://schemas.microsoft.com/office/drawing/2014/main" id="{33204418-409C-B025-49A7-D83D5E0F4F98}"/>
+              </a:ext>
+            </a:extLst>
+          </p:cNvPr>
+          <p:cNvSpPr txBox="1"/>
+          <p:nvPr/>
+        </p:nvSpPr>
+        <p:spPr>
+          <a:xfrm>
+            <a:off x="8938706" y="365125"/>
+            <a:ext cx="1043876" cy="369332"/>
+          </a:xfrm>
+          <a:prstGeom prst="rect">
+            <a:avLst/>
+          </a:prstGeom>
+          <a:noFill/>
+        </p:spPr>
+        <p:txBody>
+          <a:bodyPr wrap="none" rtlCol="0">
+            <a:spAutoFit/>
+          </a:bodyPr>
+          <a:lstStyle/>
+          <a:p>
+            <a:r>
+              <a:rPr lang="da-DK" dirty="0" err="1">
+                <a:latin typeface="Times New Roman" panose="02020603050405020304" pitchFamily="18" charset="0"/>
+                <a:cs typeface="Times New Roman" panose="02020603050405020304" pitchFamily="18" charset="0"/>
+              </a:rPr>
+              <a:t>Modified</a:t>
+            </a:r>
+            <a:endParaRPr lang="da-DK" dirty="0">
+              <a:latin typeface="Times New Roman" panose="02020603050405020304" pitchFamily="18" charset="0"/>
+              <a:cs typeface="Times New Roman" panose="02020603050405020304" pitchFamily="18" charset="0"/>
+            </a:endParaRPr>
+          </a:p>
+        </p:txBody>
+      </p:sp>
+    </p:spTree>
+    <p:extLst>
+      <p:ext uri="{BB962C8B-B14F-4D97-AF65-F5344CB8AC3E}">
+        <p14:creationId xmlns:p14="http://schemas.microsoft.com/office/powerpoint/2010/main" val="543502560"/>
+      </p:ext>
+    </p:extLst>
+  </p:cSld>
+  <p:clrMapOvr>
+    <a:masterClrMapping/>
+  </p:clrMapOvr>
+</p:sld>
+</file>
+
+<file path=ppt/slides/slide9.xml><?xml version="1.0" encoding="utf-8"?>
+<p:sld xmlns:a="http://schemas.openxmlformats.org/drawingml/2006/main" xmlns:r="http://schemas.openxmlformats.org/officeDocument/2006/relationships" xmlns:p="http://schemas.openxmlformats.org/presentationml/2006/main">
+  <p:cSld>
+    <p:spTree>
+      <p:nvGrpSpPr>
+        <p:cNvPr id="1" name="">
+          <a:extLst>
+            <a:ext uri="{FF2B5EF4-FFF2-40B4-BE49-F238E27FC236}">
+              <a16:creationId xmlns:a16="http://schemas.microsoft.com/office/drawing/2014/main" id="{C7693EF6-F830-A748-4297-FCB7A8B9D75B}"/>
+            </a:ext>
+          </a:extLst>
+        </p:cNvPr>
+        <p:cNvGrpSpPr/>
+        <p:nvPr/>
+      </p:nvGrpSpPr>
+      <p:grpSpPr>
+        <a:xfrm>
+          <a:off x="0" y="0"/>
+          <a:ext cx="0" cy="0"/>
+          <a:chOff x="0" y="0"/>
+          <a:chExt cx="0" cy="0"/>
+        </a:xfrm>
+      </p:grpSpPr>
+      <p:sp>
+        <p:nvSpPr>
+          <p:cNvPr id="2" name="Titel 1">
+            <a:extLst>
+              <a:ext uri="{FF2B5EF4-FFF2-40B4-BE49-F238E27FC236}">
+                <a16:creationId xmlns:a16="http://schemas.microsoft.com/office/drawing/2014/main" id="{EFA33E32-4B97-995D-840C-AE0ADF5A6292}"/>
+              </a:ext>
+            </a:extLst>
+          </p:cNvPr>
+          <p:cNvSpPr>
+            <a:spLocks noGrp="1"/>
+          </p:cNvSpPr>
+          <p:nvPr>
+            <p:ph type="title"/>
+          </p:nvPr>
+        </p:nvSpPr>
+        <p:spPr/>
+        <p:txBody>
+          <a:bodyPr/>
+          <a:lstStyle/>
+          <a:p>
+            <a:r>
+              <a:rPr lang="en-US" dirty="0">
+                <a:latin typeface="Times New Roman" panose="02020603050405020304" pitchFamily="18" charset="0"/>
+                <a:cs typeface="Times New Roman" panose="02020603050405020304" pitchFamily="18" charset="0"/>
+              </a:rPr>
+              <a:t>Example: Exercise 62</a:t>
+            </a:r>
+          </a:p>
+        </p:txBody>
+      </p:sp>
+      <p:sp>
+        <p:nvSpPr>
+          <p:cNvPr id="3" name="Pladsholder til indhold 2">
+            <a:extLst>
+              <a:ext uri="{FF2B5EF4-FFF2-40B4-BE49-F238E27FC236}">
+                <a16:creationId xmlns:a16="http://schemas.microsoft.com/office/drawing/2014/main" id="{4561C823-BF6E-AEB0-4068-A01DB008F783}"/>
+              </a:ext>
+            </a:extLst>
+          </p:cNvPr>
+          <p:cNvSpPr>
+            <a:spLocks noGrp="1"/>
+          </p:cNvSpPr>
+          <p:nvPr>
+            <p:ph idx="1"/>
+          </p:nvPr>
+        </p:nvSpPr>
+        <p:spPr>
+          <a:xfrm>
+            <a:off x="213512" y="1517808"/>
+            <a:ext cx="5257800" cy="4357892"/>
+          </a:xfrm>
+        </p:spPr>
+        <p:txBody>
+          <a:bodyPr/>
+          <a:lstStyle/>
+          <a:p>
+            <a:r>
+              <a:rPr lang="da-DK" dirty="0">
+                <a:latin typeface="Times New Roman" panose="02020603050405020304" pitchFamily="18" charset="0"/>
+                <a:cs typeface="Times New Roman" panose="02020603050405020304" pitchFamily="18" charset="0"/>
+              </a:rPr>
+              <a:t>2 GCNN </a:t>
+            </a:r>
+            <a:r>
+              <a:rPr lang="da-DK" dirty="0" err="1">
+                <a:latin typeface="Times New Roman" panose="02020603050405020304" pitchFamily="18" charset="0"/>
+                <a:cs typeface="Times New Roman" panose="02020603050405020304" pitchFamily="18" charset="0"/>
+              </a:rPr>
+              <a:t>Layers</a:t>
+            </a:r>
+            <a:endParaRPr lang="da-DK" dirty="0">
+              <a:latin typeface="Times New Roman" panose="02020603050405020304" pitchFamily="18" charset="0"/>
+              <a:cs typeface="Times New Roman" panose="02020603050405020304" pitchFamily="18" charset="0"/>
+            </a:endParaRPr>
+          </a:p>
+          <a:p>
+            <a:r>
+              <a:rPr lang="da-DK" dirty="0">
+                <a:latin typeface="Times New Roman" panose="02020603050405020304" pitchFamily="18" charset="0"/>
+                <a:cs typeface="Times New Roman" panose="02020603050405020304" pitchFamily="18" charset="0"/>
+              </a:rPr>
+              <a:t>Perhaps </a:t>
+            </a:r>
+            <a:r>
+              <a:rPr lang="da-DK" dirty="0" err="1">
+                <a:latin typeface="Times New Roman" panose="02020603050405020304" pitchFamily="18" charset="0"/>
+                <a:cs typeface="Times New Roman" panose="02020603050405020304" pitchFamily="18" charset="0"/>
+              </a:rPr>
+              <a:t>add</a:t>
+            </a:r>
+            <a:r>
+              <a:rPr lang="da-DK" dirty="0">
+                <a:latin typeface="Times New Roman" panose="02020603050405020304" pitchFamily="18" charset="0"/>
+                <a:cs typeface="Times New Roman" panose="02020603050405020304" pitchFamily="18" charset="0"/>
+              </a:rPr>
+              <a:t> more </a:t>
+            </a:r>
+            <a:r>
+              <a:rPr lang="da-DK" dirty="0" err="1">
+                <a:latin typeface="Times New Roman" panose="02020603050405020304" pitchFamily="18" charset="0"/>
+                <a:cs typeface="Times New Roman" panose="02020603050405020304" pitchFamily="18" charset="0"/>
+              </a:rPr>
+              <a:t>layers</a:t>
+            </a:r>
+            <a:r>
+              <a:rPr lang="da-DK" dirty="0">
+                <a:latin typeface="Times New Roman" panose="02020603050405020304" pitchFamily="18" charset="0"/>
+                <a:cs typeface="Times New Roman" panose="02020603050405020304" pitchFamily="18" charset="0"/>
+              </a:rPr>
+              <a:t>?</a:t>
+            </a:r>
+          </a:p>
+        </p:txBody>
+      </p:sp>
+      <p:pic>
+        <p:nvPicPr>
+          <p:cNvPr id="4" name="Billede 3">
+            <a:extLst>
+              <a:ext uri="{FF2B5EF4-FFF2-40B4-BE49-F238E27FC236}">
+                <a16:creationId xmlns:a16="http://schemas.microsoft.com/office/drawing/2014/main" id="{073DA621-B705-812B-20DF-9F9C2483BE29}"/>
+              </a:ext>
+            </a:extLst>
+          </p:cNvPr>
+          <p:cNvPicPr>
+            <a:picLocks noChangeAspect="1"/>
+          </p:cNvPicPr>
+          <p:nvPr/>
+        </p:nvPicPr>
+        <p:blipFill>
+          <a:blip r:embed="rId2"/>
+          <a:stretch>
+            <a:fillRect/>
+          </a:stretch>
+        </p:blipFill>
+        <p:spPr>
+          <a:xfrm>
+            <a:off x="1266825" y="2843371"/>
+            <a:ext cx="9658350" cy="3543300"/>
+          </a:xfrm>
+          <a:prstGeom prst="rect">
+            <a:avLst/>
+          </a:prstGeom>
+        </p:spPr>
+      </p:pic>
+      <p:sp>
+        <p:nvSpPr>
+          <p:cNvPr id="7" name="Tekstfelt 6">
+            <a:extLst>
+              <a:ext uri="{FF2B5EF4-FFF2-40B4-BE49-F238E27FC236}">
+                <a16:creationId xmlns:a16="http://schemas.microsoft.com/office/drawing/2014/main" id="{CAC4BD55-AC64-5AC4-3713-3CFEAAE617F6}"/>
+              </a:ext>
+            </a:extLst>
+          </p:cNvPr>
+          <p:cNvSpPr txBox="1"/>
+          <p:nvPr/>
+        </p:nvSpPr>
+        <p:spPr>
+          <a:xfrm>
+            <a:off x="3278909" y="2480243"/>
+            <a:ext cx="1043876" cy="369332"/>
+          </a:xfrm>
+          <a:prstGeom prst="rect">
+            <a:avLst/>
+          </a:prstGeom>
+          <a:noFill/>
+        </p:spPr>
+        <p:txBody>
+          <a:bodyPr wrap="none" rtlCol="0">
+            <a:spAutoFit/>
+          </a:bodyPr>
+          <a:lstStyle/>
+          <a:p>
+            <a:r>
+              <a:rPr lang="da-DK" dirty="0" err="1">
+                <a:latin typeface="Times New Roman" panose="02020603050405020304" pitchFamily="18" charset="0"/>
+                <a:cs typeface="Times New Roman" panose="02020603050405020304" pitchFamily="18" charset="0"/>
+              </a:rPr>
+              <a:t>Modified</a:t>
+            </a:r>
+            <a:endParaRPr lang="da-DK" dirty="0">
+              <a:latin typeface="Times New Roman" panose="02020603050405020304" pitchFamily="18" charset="0"/>
+              <a:cs typeface="Times New Roman" panose="02020603050405020304" pitchFamily="18" charset="0"/>
+            </a:endParaRPr>
+          </a:p>
+        </p:txBody>
+      </p:sp>
+      <p:sp>
+        <p:nvSpPr>
+          <p:cNvPr id="8" name="Tekstfelt 7">
+            <a:extLst>
+              <a:ext uri="{FF2B5EF4-FFF2-40B4-BE49-F238E27FC236}">
+                <a16:creationId xmlns:a16="http://schemas.microsoft.com/office/drawing/2014/main" id="{42134AF9-7D38-9002-91CF-E71A7C71A5AC}"/>
+              </a:ext>
+            </a:extLst>
+          </p:cNvPr>
+          <p:cNvSpPr txBox="1"/>
+          <p:nvPr/>
+        </p:nvSpPr>
+        <p:spPr>
+          <a:xfrm>
+            <a:off x="8188036" y="2480243"/>
+            <a:ext cx="1300356" cy="369332"/>
+          </a:xfrm>
+          <a:prstGeom prst="rect">
+            <a:avLst/>
+          </a:prstGeom>
+          <a:noFill/>
+        </p:spPr>
+        <p:txBody>
+          <a:bodyPr wrap="none" rtlCol="0">
+            <a:spAutoFit/>
+          </a:bodyPr>
+          <a:lstStyle/>
+          <a:p>
+            <a:r>
+              <a:rPr lang="da-DK" dirty="0" err="1">
+                <a:latin typeface="Times New Roman" panose="02020603050405020304" pitchFamily="18" charset="0"/>
+                <a:cs typeface="Times New Roman" panose="02020603050405020304" pitchFamily="18" charset="0"/>
+              </a:rPr>
+              <a:t>Unmodified</a:t>
+            </a:r>
+            <a:endParaRPr lang="da-DK" dirty="0">
+              <a:latin typeface="Times New Roman" panose="02020603050405020304" pitchFamily="18" charset="0"/>
+              <a:cs typeface="Times New Roman" panose="02020603050405020304" pitchFamily="18" charset="0"/>
+            </a:endParaRPr>
+          </a:p>
+        </p:txBody>
+      </p:sp>
+    </p:spTree>
+    <p:extLst>
+      <p:ext uri="{BB962C8B-B14F-4D97-AF65-F5344CB8AC3E}">
+        <p14:creationId xmlns:p14="http://schemas.microsoft.com/office/powerpoint/2010/main" val="2396424923"/>
       </p:ext>
     </p:extLst>
   </p:cSld>

--- a/Portfolio-slides/Molecular graphs.pptx
+++ b/Portfolio-slides/Molecular graphs.pptx
@@ -16,6 +16,9 @@
     <p:sldId id="266" r:id="rId10"/>
     <p:sldId id="268" r:id="rId11"/>
     <p:sldId id="270" r:id="rId12"/>
+    <p:sldId id="273" r:id="rId13"/>
+    <p:sldId id="269" r:id="rId14"/>
+    <p:sldId id="274" r:id="rId15"/>
   </p:sldIdLst>
   <p:sldSz cx="12192000" cy="6858000"/>
   <p:notesSz cx="6858000" cy="9144000"/>
@@ -269,7 +272,7 @@
           <a:p>
             <a:fld id="{7B73EA61-29F4-6E45-B2B5-AA1D16AC5CCD}" type="datetimeFigureOut">
               <a:rPr lang="da-DK" smtClean="0"/>
-              <a:t>03-01-2025</a:t>
+              <a:t>04-01-2025</a:t>
             </a:fld>
             <a:endParaRPr lang="da-DK"/>
           </a:p>
@@ -467,7 +470,7 @@
           <a:p>
             <a:fld id="{7B73EA61-29F4-6E45-B2B5-AA1D16AC5CCD}" type="datetimeFigureOut">
               <a:rPr lang="da-DK" smtClean="0"/>
-              <a:t>03-01-2025</a:t>
+              <a:t>04-01-2025</a:t>
             </a:fld>
             <a:endParaRPr lang="da-DK"/>
           </a:p>
@@ -675,7 +678,7 @@
           <a:p>
             <a:fld id="{7B73EA61-29F4-6E45-B2B5-AA1D16AC5CCD}" type="datetimeFigureOut">
               <a:rPr lang="da-DK" smtClean="0"/>
-              <a:t>03-01-2025</a:t>
+              <a:t>04-01-2025</a:t>
             </a:fld>
             <a:endParaRPr lang="da-DK"/>
           </a:p>
@@ -873,7 +876,7 @@
           <a:p>
             <a:fld id="{7B73EA61-29F4-6E45-B2B5-AA1D16AC5CCD}" type="datetimeFigureOut">
               <a:rPr lang="da-DK" smtClean="0"/>
-              <a:t>03-01-2025</a:t>
+              <a:t>04-01-2025</a:t>
             </a:fld>
             <a:endParaRPr lang="da-DK"/>
           </a:p>
@@ -1148,7 +1151,7 @@
           <a:p>
             <a:fld id="{7B73EA61-29F4-6E45-B2B5-AA1D16AC5CCD}" type="datetimeFigureOut">
               <a:rPr lang="da-DK" smtClean="0"/>
-              <a:t>03-01-2025</a:t>
+              <a:t>04-01-2025</a:t>
             </a:fld>
             <a:endParaRPr lang="da-DK"/>
           </a:p>
@@ -1413,7 +1416,7 @@
           <a:p>
             <a:fld id="{7B73EA61-29F4-6E45-B2B5-AA1D16AC5CCD}" type="datetimeFigureOut">
               <a:rPr lang="da-DK" smtClean="0"/>
-              <a:t>03-01-2025</a:t>
+              <a:t>04-01-2025</a:t>
             </a:fld>
             <a:endParaRPr lang="da-DK"/>
           </a:p>
@@ -1825,7 +1828,7 @@
           <a:p>
             <a:fld id="{7B73EA61-29F4-6E45-B2B5-AA1D16AC5CCD}" type="datetimeFigureOut">
               <a:rPr lang="da-DK" smtClean="0"/>
-              <a:t>03-01-2025</a:t>
+              <a:t>04-01-2025</a:t>
             </a:fld>
             <a:endParaRPr lang="da-DK"/>
           </a:p>
@@ -1966,7 +1969,7 @@
           <a:p>
             <a:fld id="{7B73EA61-29F4-6E45-B2B5-AA1D16AC5CCD}" type="datetimeFigureOut">
               <a:rPr lang="da-DK" smtClean="0"/>
-              <a:t>03-01-2025</a:t>
+              <a:t>04-01-2025</a:t>
             </a:fld>
             <a:endParaRPr lang="da-DK"/>
           </a:p>
@@ -2079,7 +2082,7 @@
           <a:p>
             <a:fld id="{7B73EA61-29F4-6E45-B2B5-AA1D16AC5CCD}" type="datetimeFigureOut">
               <a:rPr lang="da-DK" smtClean="0"/>
-              <a:t>03-01-2025</a:t>
+              <a:t>04-01-2025</a:t>
             </a:fld>
             <a:endParaRPr lang="da-DK"/>
           </a:p>
@@ -2390,7 +2393,7 @@
           <a:p>
             <a:fld id="{7B73EA61-29F4-6E45-B2B5-AA1D16AC5CCD}" type="datetimeFigureOut">
               <a:rPr lang="da-DK" smtClean="0"/>
-              <a:t>03-01-2025</a:t>
+              <a:t>04-01-2025</a:t>
             </a:fld>
             <a:endParaRPr lang="da-DK"/>
           </a:p>
@@ -2678,7 +2681,7 @@
           <a:p>
             <a:fld id="{7B73EA61-29F4-6E45-B2B5-AA1D16AC5CCD}" type="datetimeFigureOut">
               <a:rPr lang="da-DK" smtClean="0"/>
-              <a:t>03-01-2025</a:t>
+              <a:t>04-01-2025</a:t>
             </a:fld>
             <a:endParaRPr lang="da-DK"/>
           </a:p>
@@ -2919,7 +2922,7 @@
           <a:p>
             <a:fld id="{7B73EA61-29F4-6E45-B2B5-AA1D16AC5CCD}" type="datetimeFigureOut">
               <a:rPr lang="da-DK" smtClean="0"/>
-              <a:t>03-01-2025</a:t>
+              <a:t>04-01-2025</a:t>
             </a:fld>
             <a:endParaRPr lang="da-DK"/>
           </a:p>
@@ -4051,6 +4054,664 @@
 </p:sld>
 </file>
 
+<file path=ppt/slides/slide12.xml><?xml version="1.0" encoding="utf-8"?>
+<p:sld xmlns:a="http://schemas.openxmlformats.org/drawingml/2006/main" xmlns:r="http://schemas.openxmlformats.org/officeDocument/2006/relationships" xmlns:p="http://schemas.openxmlformats.org/presentationml/2006/main">
+  <p:cSld>
+    <p:spTree>
+      <p:nvGrpSpPr>
+        <p:cNvPr id="1" name=""/>
+        <p:cNvGrpSpPr/>
+        <p:nvPr/>
+      </p:nvGrpSpPr>
+      <p:grpSpPr>
+        <a:xfrm>
+          <a:off x="0" y="0"/>
+          <a:ext cx="0" cy="0"/>
+          <a:chOff x="0" y="0"/>
+          <a:chExt cx="0" cy="0"/>
+        </a:xfrm>
+      </p:grpSpPr>
+      <p:sp>
+        <p:nvSpPr>
+          <p:cNvPr id="2" name="Titel 1">
+            <a:extLst>
+              <a:ext uri="{FF2B5EF4-FFF2-40B4-BE49-F238E27FC236}">
+                <a16:creationId xmlns:a16="http://schemas.microsoft.com/office/drawing/2014/main" id="{23C2F104-2711-9B73-1218-E8D5631F6BA1}"/>
+              </a:ext>
+            </a:extLst>
+          </p:cNvPr>
+          <p:cNvSpPr>
+            <a:spLocks noGrp="1"/>
+          </p:cNvSpPr>
+          <p:nvPr>
+            <p:ph type="title"/>
+          </p:nvPr>
+        </p:nvSpPr>
+        <p:spPr/>
+        <p:txBody>
+          <a:bodyPr/>
+          <a:lstStyle/>
+          <a:p>
+            <a:r>
+              <a:rPr lang="da-DK" dirty="0" err="1">
+                <a:latin typeface="Times New Roman" panose="02020603050405020304" pitchFamily="18" charset="0"/>
+                <a:cs typeface="Times New Roman" panose="02020603050405020304" pitchFamily="18" charset="0"/>
+              </a:rPr>
+              <a:t>Different</a:t>
+            </a:r>
+            <a:r>
+              <a:rPr lang="da-DK" dirty="0">
+                <a:latin typeface="Times New Roman" panose="02020603050405020304" pitchFamily="18" charset="0"/>
+                <a:cs typeface="Times New Roman" panose="02020603050405020304" pitchFamily="18" charset="0"/>
+              </a:rPr>
+              <a:t> </a:t>
+            </a:r>
+            <a:r>
+              <a:rPr lang="da-DK" dirty="0" err="1">
+                <a:latin typeface="Times New Roman" panose="02020603050405020304" pitchFamily="18" charset="0"/>
+                <a:cs typeface="Times New Roman" panose="02020603050405020304" pitchFamily="18" charset="0"/>
+              </a:rPr>
+              <a:t>Example</a:t>
+            </a:r>
+            <a:r>
+              <a:rPr lang="da-DK" dirty="0">
+                <a:latin typeface="Times New Roman" panose="02020603050405020304" pitchFamily="18" charset="0"/>
+                <a:cs typeface="Times New Roman" panose="02020603050405020304" pitchFamily="18" charset="0"/>
+              </a:rPr>
+              <a:t>: </a:t>
+            </a:r>
+            <a:r>
+              <a:rPr lang="da-DK" dirty="0" err="1">
+                <a:latin typeface="Times New Roman" panose="02020603050405020304" pitchFamily="18" charset="0"/>
+                <a:cs typeface="Times New Roman" panose="02020603050405020304" pitchFamily="18" charset="0"/>
+              </a:rPr>
+              <a:t>Include</a:t>
+            </a:r>
+            <a:r>
+              <a:rPr lang="da-DK" dirty="0">
+                <a:latin typeface="Times New Roman" panose="02020603050405020304" pitchFamily="18" charset="0"/>
+                <a:cs typeface="Times New Roman" panose="02020603050405020304" pitchFamily="18" charset="0"/>
+              </a:rPr>
+              <a:t> </a:t>
+            </a:r>
+            <a:r>
+              <a:rPr lang="da-DK" dirty="0" err="1">
+                <a:latin typeface="Times New Roman" panose="02020603050405020304" pitchFamily="18" charset="0"/>
+                <a:cs typeface="Times New Roman" panose="02020603050405020304" pitchFamily="18" charset="0"/>
+              </a:rPr>
+              <a:t>bonds</a:t>
+            </a:r>
+            <a:endParaRPr lang="da-DK" dirty="0">
+              <a:latin typeface="Times New Roman" panose="02020603050405020304" pitchFamily="18" charset="0"/>
+              <a:cs typeface="Times New Roman" panose="02020603050405020304" pitchFamily="18" charset="0"/>
+            </a:endParaRPr>
+          </a:p>
+        </p:txBody>
+      </p:sp>
+      <p:sp>
+        <p:nvSpPr>
+          <p:cNvPr id="3" name="Pladsholder til indhold 2">
+            <a:extLst>
+              <a:ext uri="{FF2B5EF4-FFF2-40B4-BE49-F238E27FC236}">
+                <a16:creationId xmlns:a16="http://schemas.microsoft.com/office/drawing/2014/main" id="{0CF7B763-A447-E88A-184E-EC22E3A9E3EF}"/>
+              </a:ext>
+            </a:extLst>
+          </p:cNvPr>
+          <p:cNvSpPr>
+            <a:spLocks noGrp="1"/>
+          </p:cNvSpPr>
+          <p:nvPr>
+            <p:ph idx="1"/>
+          </p:nvPr>
+        </p:nvSpPr>
+        <p:spPr/>
+        <p:txBody>
+          <a:bodyPr/>
+          <a:lstStyle/>
+          <a:p>
+            <a:r>
+              <a:rPr lang="da-DK" dirty="0" err="1">
+                <a:latin typeface="Times New Roman" panose="02020603050405020304" pitchFamily="18" charset="0"/>
+                <a:cs typeface="Times New Roman" panose="02020603050405020304" pitchFamily="18" charset="0"/>
+              </a:rPr>
+              <a:t>Include</a:t>
+            </a:r>
+            <a:r>
+              <a:rPr lang="da-DK" dirty="0">
+                <a:latin typeface="Times New Roman" panose="02020603050405020304" pitchFamily="18" charset="0"/>
+                <a:cs typeface="Times New Roman" panose="02020603050405020304" pitchFamily="18" charset="0"/>
+              </a:rPr>
+              <a:t> atom features &amp; Bond features</a:t>
+            </a:r>
+          </a:p>
+        </p:txBody>
+      </p:sp>
+      <p:pic>
+        <p:nvPicPr>
+          <p:cNvPr id="5" name="Billede 4">
+            <a:extLst>
+              <a:ext uri="{FF2B5EF4-FFF2-40B4-BE49-F238E27FC236}">
+                <a16:creationId xmlns:a16="http://schemas.microsoft.com/office/drawing/2014/main" id="{FCE011B0-AAE3-5CF5-3DD3-959F1E9F1F91}"/>
+              </a:ext>
+            </a:extLst>
+          </p:cNvPr>
+          <p:cNvPicPr>
+            <a:picLocks noChangeAspect="1"/>
+          </p:cNvPicPr>
+          <p:nvPr/>
+        </p:nvPicPr>
+        <p:blipFill>
+          <a:blip r:embed="rId2"/>
+          <a:stretch>
+            <a:fillRect/>
+          </a:stretch>
+        </p:blipFill>
+        <p:spPr>
+          <a:xfrm>
+            <a:off x="1021580" y="3106879"/>
+            <a:ext cx="9931555" cy="3429000"/>
+          </a:xfrm>
+          <a:prstGeom prst="rect">
+            <a:avLst/>
+          </a:prstGeom>
+        </p:spPr>
+      </p:pic>
+      <p:pic>
+        <p:nvPicPr>
+          <p:cNvPr id="7" name="Billede 6">
+            <a:extLst>
+              <a:ext uri="{FF2B5EF4-FFF2-40B4-BE49-F238E27FC236}">
+                <a16:creationId xmlns:a16="http://schemas.microsoft.com/office/drawing/2014/main" id="{836AF748-774C-864B-7510-650724A2D7AC}"/>
+              </a:ext>
+            </a:extLst>
+          </p:cNvPr>
+          <p:cNvPicPr>
+            <a:picLocks noChangeAspect="1"/>
+          </p:cNvPicPr>
+          <p:nvPr/>
+        </p:nvPicPr>
+        <p:blipFill>
+          <a:blip r:embed="rId3"/>
+          <a:stretch>
+            <a:fillRect/>
+          </a:stretch>
+        </p:blipFill>
+        <p:spPr>
+          <a:xfrm>
+            <a:off x="7326988" y="1673880"/>
+            <a:ext cx="3193139" cy="792372"/>
+          </a:xfrm>
+          <a:prstGeom prst="rect">
+            <a:avLst/>
+          </a:prstGeom>
+        </p:spPr>
+      </p:pic>
+      <p:cxnSp>
+        <p:nvCxnSpPr>
+          <p:cNvPr id="9" name="Lige pilforbindelse 8">
+            <a:extLst>
+              <a:ext uri="{FF2B5EF4-FFF2-40B4-BE49-F238E27FC236}">
+                <a16:creationId xmlns:a16="http://schemas.microsoft.com/office/drawing/2014/main" id="{68658FEF-A7AB-F2DF-AA64-82CF568DFFC0}"/>
+              </a:ext>
+            </a:extLst>
+          </p:cNvPr>
+          <p:cNvCxnSpPr>
+            <a:cxnSpLocks/>
+          </p:cNvCxnSpPr>
+          <p:nvPr/>
+        </p:nvCxnSpPr>
+        <p:spPr>
+          <a:xfrm flipH="1">
+            <a:off x="8990091" y="2331315"/>
+            <a:ext cx="153909" cy="1588835"/>
+          </a:xfrm>
+          <a:prstGeom prst="straightConnector1">
+            <a:avLst/>
+          </a:prstGeom>
+          <a:ln>
+            <a:tailEnd type="triangle"/>
+          </a:ln>
+        </p:spPr>
+        <p:style>
+          <a:lnRef idx="3">
+            <a:schemeClr val="accent2"/>
+          </a:lnRef>
+          <a:fillRef idx="0">
+            <a:schemeClr val="accent2"/>
+          </a:fillRef>
+          <a:effectRef idx="2">
+            <a:schemeClr val="accent2"/>
+          </a:effectRef>
+          <a:fontRef idx="minor">
+            <a:schemeClr val="tx1"/>
+          </a:fontRef>
+        </p:style>
+      </p:cxnSp>
+      <p:cxnSp>
+        <p:nvCxnSpPr>
+          <p:cNvPr id="14" name="Lige pilforbindelse 13">
+            <a:extLst>
+              <a:ext uri="{FF2B5EF4-FFF2-40B4-BE49-F238E27FC236}">
+                <a16:creationId xmlns:a16="http://schemas.microsoft.com/office/drawing/2014/main" id="{40FCCB1C-B8A6-53B9-5EA7-4B4119660F27}"/>
+              </a:ext>
+            </a:extLst>
+          </p:cNvPr>
+          <p:cNvCxnSpPr/>
+          <p:nvPr/>
+        </p:nvCxnSpPr>
+        <p:spPr>
+          <a:xfrm>
+            <a:off x="9216428" y="2331315"/>
+            <a:ext cx="1122629" cy="1751798"/>
+          </a:xfrm>
+          <a:prstGeom prst="straightConnector1">
+            <a:avLst/>
+          </a:prstGeom>
+          <a:ln>
+            <a:tailEnd type="triangle"/>
+          </a:ln>
+        </p:spPr>
+        <p:style>
+          <a:lnRef idx="3">
+            <a:schemeClr val="accent2"/>
+          </a:lnRef>
+          <a:fillRef idx="0">
+            <a:schemeClr val="accent2"/>
+          </a:fillRef>
+          <a:effectRef idx="2">
+            <a:schemeClr val="accent2"/>
+          </a:effectRef>
+          <a:fontRef idx="minor">
+            <a:schemeClr val="tx1"/>
+          </a:fontRef>
+        </p:style>
+      </p:cxnSp>
+      <p:cxnSp>
+        <p:nvCxnSpPr>
+          <p:cNvPr id="16" name="Lige pilforbindelse 15">
+            <a:extLst>
+              <a:ext uri="{FF2B5EF4-FFF2-40B4-BE49-F238E27FC236}">
+                <a16:creationId xmlns:a16="http://schemas.microsoft.com/office/drawing/2014/main" id="{0798A3C7-6695-DFE7-C00A-D6E9897F6531}"/>
+              </a:ext>
+            </a:extLst>
+          </p:cNvPr>
+          <p:cNvCxnSpPr/>
+          <p:nvPr/>
+        </p:nvCxnSpPr>
+        <p:spPr>
+          <a:xfrm>
+            <a:off x="9180214" y="2331315"/>
+            <a:ext cx="36214" cy="1669979"/>
+          </a:xfrm>
+          <a:prstGeom prst="straightConnector1">
+            <a:avLst/>
+          </a:prstGeom>
+          <a:ln>
+            <a:tailEnd type="triangle"/>
+          </a:ln>
+        </p:spPr>
+        <p:style>
+          <a:lnRef idx="3">
+            <a:schemeClr val="accent2"/>
+          </a:lnRef>
+          <a:fillRef idx="0">
+            <a:schemeClr val="accent2"/>
+          </a:fillRef>
+          <a:effectRef idx="2">
+            <a:schemeClr val="accent2"/>
+          </a:effectRef>
+          <a:fontRef idx="minor">
+            <a:schemeClr val="tx1"/>
+          </a:fontRef>
+        </p:style>
+      </p:cxnSp>
+    </p:spTree>
+    <p:extLst>
+      <p:ext uri="{BB962C8B-B14F-4D97-AF65-F5344CB8AC3E}">
+        <p14:creationId xmlns:p14="http://schemas.microsoft.com/office/powerpoint/2010/main" val="1759573791"/>
+      </p:ext>
+    </p:extLst>
+  </p:cSld>
+  <p:clrMapOvr>
+    <a:masterClrMapping/>
+  </p:clrMapOvr>
+</p:sld>
+</file>
+
+<file path=ppt/slides/slide13.xml><?xml version="1.0" encoding="utf-8"?>
+<p:sld xmlns:a="http://schemas.openxmlformats.org/drawingml/2006/main" xmlns:r="http://schemas.openxmlformats.org/officeDocument/2006/relationships" xmlns:p="http://schemas.openxmlformats.org/presentationml/2006/main">
+  <p:cSld>
+    <p:spTree>
+      <p:nvGrpSpPr>
+        <p:cNvPr id="1" name=""/>
+        <p:cNvGrpSpPr/>
+        <p:nvPr/>
+      </p:nvGrpSpPr>
+      <p:grpSpPr>
+        <a:xfrm>
+          <a:off x="0" y="0"/>
+          <a:ext cx="0" cy="0"/>
+          <a:chOff x="0" y="0"/>
+          <a:chExt cx="0" cy="0"/>
+        </a:xfrm>
+      </p:grpSpPr>
+      <p:sp>
+        <p:nvSpPr>
+          <p:cNvPr id="6" name="Titel 1">
+            <a:extLst>
+              <a:ext uri="{FF2B5EF4-FFF2-40B4-BE49-F238E27FC236}">
+                <a16:creationId xmlns:a16="http://schemas.microsoft.com/office/drawing/2014/main" id="{46292F26-0261-5BE1-809C-B22F80253D58}"/>
+              </a:ext>
+            </a:extLst>
+          </p:cNvPr>
+          <p:cNvSpPr>
+            <a:spLocks noGrp="1"/>
+          </p:cNvSpPr>
+          <p:nvPr>
+            <p:ph type="title"/>
+          </p:nvPr>
+        </p:nvSpPr>
+        <p:spPr>
+          <a:xfrm>
+            <a:off x="838200" y="365125"/>
+            <a:ext cx="10515600" cy="1325563"/>
+          </a:xfrm>
+        </p:spPr>
+        <p:txBody>
+          <a:bodyPr/>
+          <a:lstStyle/>
+          <a:p>
+            <a:r>
+              <a:rPr lang="da-DK" dirty="0" err="1">
+                <a:latin typeface="Times New Roman" panose="02020603050405020304" pitchFamily="18" charset="0"/>
+                <a:cs typeface="Times New Roman" panose="02020603050405020304" pitchFamily="18" charset="0"/>
+              </a:rPr>
+              <a:t>Different</a:t>
+            </a:r>
+            <a:r>
+              <a:rPr lang="da-DK" dirty="0">
+                <a:latin typeface="Times New Roman" panose="02020603050405020304" pitchFamily="18" charset="0"/>
+                <a:cs typeface="Times New Roman" panose="02020603050405020304" pitchFamily="18" charset="0"/>
+              </a:rPr>
+              <a:t> </a:t>
+            </a:r>
+            <a:r>
+              <a:rPr lang="da-DK" dirty="0" err="1">
+                <a:latin typeface="Times New Roman" panose="02020603050405020304" pitchFamily="18" charset="0"/>
+                <a:cs typeface="Times New Roman" panose="02020603050405020304" pitchFamily="18" charset="0"/>
+              </a:rPr>
+              <a:t>Example</a:t>
+            </a:r>
+            <a:r>
+              <a:rPr lang="da-DK" dirty="0">
+                <a:latin typeface="Times New Roman" panose="02020603050405020304" pitchFamily="18" charset="0"/>
+                <a:cs typeface="Times New Roman" panose="02020603050405020304" pitchFamily="18" charset="0"/>
+              </a:rPr>
+              <a:t>: </a:t>
+            </a:r>
+            <a:r>
+              <a:rPr lang="da-DK" dirty="0" err="1">
+                <a:latin typeface="Times New Roman" panose="02020603050405020304" pitchFamily="18" charset="0"/>
+                <a:cs typeface="Times New Roman" panose="02020603050405020304" pitchFamily="18" charset="0"/>
+              </a:rPr>
+              <a:t>Include</a:t>
+            </a:r>
+            <a:r>
+              <a:rPr lang="da-DK" dirty="0">
+                <a:latin typeface="Times New Roman" panose="02020603050405020304" pitchFamily="18" charset="0"/>
+                <a:cs typeface="Times New Roman" panose="02020603050405020304" pitchFamily="18" charset="0"/>
+              </a:rPr>
+              <a:t> </a:t>
+            </a:r>
+            <a:r>
+              <a:rPr lang="da-DK" dirty="0" err="1">
+                <a:latin typeface="Times New Roman" panose="02020603050405020304" pitchFamily="18" charset="0"/>
+                <a:cs typeface="Times New Roman" panose="02020603050405020304" pitchFamily="18" charset="0"/>
+              </a:rPr>
+              <a:t>bonds</a:t>
+            </a:r>
+            <a:endParaRPr lang="da-DK" dirty="0">
+              <a:latin typeface="Times New Roman" panose="02020603050405020304" pitchFamily="18" charset="0"/>
+              <a:cs typeface="Times New Roman" panose="02020603050405020304" pitchFamily="18" charset="0"/>
+            </a:endParaRPr>
+          </a:p>
+        </p:txBody>
+      </p:sp>
+      <p:sp>
+        <p:nvSpPr>
+          <p:cNvPr id="8" name="Pladsholder til indhold 7">
+            <a:extLst>
+              <a:ext uri="{FF2B5EF4-FFF2-40B4-BE49-F238E27FC236}">
+                <a16:creationId xmlns:a16="http://schemas.microsoft.com/office/drawing/2014/main" id="{5A4E4615-E466-C405-B8CC-37A14B3EAD03}"/>
+              </a:ext>
+            </a:extLst>
+          </p:cNvPr>
+          <p:cNvSpPr>
+            <a:spLocks noGrp="1"/>
+          </p:cNvSpPr>
+          <p:nvPr>
+            <p:ph idx="1"/>
+          </p:nvPr>
+        </p:nvSpPr>
+        <p:spPr/>
+        <p:txBody>
+          <a:bodyPr/>
+          <a:lstStyle/>
+          <a:p>
+            <a:endParaRPr lang="da-DK" dirty="0"/>
+          </a:p>
+        </p:txBody>
+      </p:sp>
+      <p:pic>
+        <p:nvPicPr>
+          <p:cNvPr id="10" name="Billede 9">
+            <a:extLst>
+              <a:ext uri="{FF2B5EF4-FFF2-40B4-BE49-F238E27FC236}">
+                <a16:creationId xmlns:a16="http://schemas.microsoft.com/office/drawing/2014/main" id="{DA8275AF-551C-B39E-E640-8266163318AA}"/>
+              </a:ext>
+            </a:extLst>
+          </p:cNvPr>
+          <p:cNvPicPr>
+            <a:picLocks noChangeAspect="1"/>
+          </p:cNvPicPr>
+          <p:nvPr/>
+        </p:nvPicPr>
+        <p:blipFill>
+          <a:blip r:embed="rId2"/>
+          <a:stretch>
+            <a:fillRect/>
+          </a:stretch>
+        </p:blipFill>
+        <p:spPr>
+          <a:xfrm>
+            <a:off x="328612" y="1545504"/>
+            <a:ext cx="11534775" cy="3914775"/>
+          </a:xfrm>
+          <a:prstGeom prst="rect">
+            <a:avLst/>
+          </a:prstGeom>
+        </p:spPr>
+      </p:pic>
+    </p:spTree>
+    <p:extLst>
+      <p:ext uri="{BB962C8B-B14F-4D97-AF65-F5344CB8AC3E}">
+        <p14:creationId xmlns:p14="http://schemas.microsoft.com/office/powerpoint/2010/main" val="3339562474"/>
+      </p:ext>
+    </p:extLst>
+  </p:cSld>
+  <p:clrMapOvr>
+    <a:masterClrMapping/>
+  </p:clrMapOvr>
+</p:sld>
+</file>
+
+<file path=ppt/slides/slide14.xml><?xml version="1.0" encoding="utf-8"?>
+<p:sld xmlns:a="http://schemas.openxmlformats.org/drawingml/2006/main" xmlns:r="http://schemas.openxmlformats.org/officeDocument/2006/relationships" xmlns:p="http://schemas.openxmlformats.org/presentationml/2006/main">
+  <p:cSld>
+    <p:spTree>
+      <p:nvGrpSpPr>
+        <p:cNvPr id="1" name=""/>
+        <p:cNvGrpSpPr/>
+        <p:nvPr/>
+      </p:nvGrpSpPr>
+      <p:grpSpPr>
+        <a:xfrm>
+          <a:off x="0" y="0"/>
+          <a:ext cx="0" cy="0"/>
+          <a:chOff x="0" y="0"/>
+          <a:chExt cx="0" cy="0"/>
+        </a:xfrm>
+      </p:grpSpPr>
+      <p:sp>
+        <p:nvSpPr>
+          <p:cNvPr id="3" name="Pladsholder til indhold 2">
+            <a:extLst>
+              <a:ext uri="{FF2B5EF4-FFF2-40B4-BE49-F238E27FC236}">
+                <a16:creationId xmlns:a16="http://schemas.microsoft.com/office/drawing/2014/main" id="{3DB07A4E-654D-322A-A6DE-67A2E0F7E7C4}"/>
+              </a:ext>
+            </a:extLst>
+          </p:cNvPr>
+          <p:cNvSpPr>
+            <a:spLocks noGrp="1"/>
+          </p:cNvSpPr>
+          <p:nvPr>
+            <p:ph idx="1"/>
+          </p:nvPr>
+        </p:nvSpPr>
+        <p:spPr/>
+        <p:txBody>
+          <a:bodyPr/>
+          <a:lstStyle/>
+          <a:p>
+            <a:endParaRPr lang="da-DK"/>
+          </a:p>
+        </p:txBody>
+      </p:sp>
+      <p:pic>
+        <p:nvPicPr>
+          <p:cNvPr id="5" name="Billede 4">
+            <a:extLst>
+              <a:ext uri="{FF2B5EF4-FFF2-40B4-BE49-F238E27FC236}">
+                <a16:creationId xmlns:a16="http://schemas.microsoft.com/office/drawing/2014/main" id="{498481CC-B6D7-D228-74D4-DA4EE6C447F4}"/>
+              </a:ext>
+            </a:extLst>
+          </p:cNvPr>
+          <p:cNvPicPr>
+            <a:picLocks noChangeAspect="1"/>
+          </p:cNvPicPr>
+          <p:nvPr/>
+        </p:nvPicPr>
+        <p:blipFill>
+          <a:blip r:embed="rId2"/>
+          <a:stretch>
+            <a:fillRect/>
+          </a:stretch>
+        </p:blipFill>
+        <p:spPr>
+          <a:xfrm>
+            <a:off x="328612" y="2262188"/>
+            <a:ext cx="11534775" cy="3914775"/>
+          </a:xfrm>
+          <a:prstGeom prst="rect">
+            <a:avLst/>
+          </a:prstGeom>
+        </p:spPr>
+      </p:pic>
+      <p:sp>
+        <p:nvSpPr>
+          <p:cNvPr id="4" name="Titel 1">
+            <a:extLst>
+              <a:ext uri="{FF2B5EF4-FFF2-40B4-BE49-F238E27FC236}">
+                <a16:creationId xmlns:a16="http://schemas.microsoft.com/office/drawing/2014/main" id="{601FF906-823A-BBEB-D37E-D98CC59762B4}"/>
+              </a:ext>
+            </a:extLst>
+          </p:cNvPr>
+          <p:cNvSpPr>
+            <a:spLocks noGrp="1"/>
+          </p:cNvSpPr>
+          <p:nvPr>
+            <p:ph type="title"/>
+          </p:nvPr>
+        </p:nvSpPr>
+        <p:spPr>
+          <a:xfrm>
+            <a:off x="838200" y="365125"/>
+            <a:ext cx="10515600" cy="1325563"/>
+          </a:xfrm>
+        </p:spPr>
+        <p:txBody>
+          <a:bodyPr/>
+          <a:lstStyle/>
+          <a:p>
+            <a:r>
+              <a:rPr lang="da-DK" dirty="0" err="1">
+                <a:latin typeface="Times New Roman" panose="02020603050405020304" pitchFamily="18" charset="0"/>
+                <a:cs typeface="Times New Roman" panose="02020603050405020304" pitchFamily="18" charset="0"/>
+              </a:rPr>
+              <a:t>Different</a:t>
+            </a:r>
+            <a:r>
+              <a:rPr lang="da-DK" dirty="0">
+                <a:latin typeface="Times New Roman" panose="02020603050405020304" pitchFamily="18" charset="0"/>
+                <a:cs typeface="Times New Roman" panose="02020603050405020304" pitchFamily="18" charset="0"/>
+              </a:rPr>
+              <a:t> </a:t>
+            </a:r>
+            <a:r>
+              <a:rPr lang="da-DK" dirty="0" err="1">
+                <a:latin typeface="Times New Roman" panose="02020603050405020304" pitchFamily="18" charset="0"/>
+                <a:cs typeface="Times New Roman" panose="02020603050405020304" pitchFamily="18" charset="0"/>
+              </a:rPr>
+              <a:t>Example</a:t>
+            </a:r>
+            <a:r>
+              <a:rPr lang="da-DK" dirty="0">
+                <a:latin typeface="Times New Roman" panose="02020603050405020304" pitchFamily="18" charset="0"/>
+                <a:cs typeface="Times New Roman" panose="02020603050405020304" pitchFamily="18" charset="0"/>
+              </a:rPr>
+              <a:t>: </a:t>
+            </a:r>
+            <a:r>
+              <a:rPr lang="da-DK" dirty="0" err="1">
+                <a:latin typeface="Times New Roman" panose="02020603050405020304" pitchFamily="18" charset="0"/>
+                <a:cs typeface="Times New Roman" panose="02020603050405020304" pitchFamily="18" charset="0"/>
+              </a:rPr>
+              <a:t>Include</a:t>
+            </a:r>
+            <a:r>
+              <a:rPr lang="da-DK" dirty="0">
+                <a:latin typeface="Times New Roman" panose="02020603050405020304" pitchFamily="18" charset="0"/>
+                <a:cs typeface="Times New Roman" panose="02020603050405020304" pitchFamily="18" charset="0"/>
+              </a:rPr>
+              <a:t> </a:t>
+            </a:r>
+            <a:r>
+              <a:rPr lang="da-DK" dirty="0" err="1">
+                <a:latin typeface="Times New Roman" panose="02020603050405020304" pitchFamily="18" charset="0"/>
+                <a:cs typeface="Times New Roman" panose="02020603050405020304" pitchFamily="18" charset="0"/>
+              </a:rPr>
+              <a:t>bonds</a:t>
+            </a:r>
+            <a:endParaRPr lang="da-DK" dirty="0">
+              <a:latin typeface="Times New Roman" panose="02020603050405020304" pitchFamily="18" charset="0"/>
+              <a:cs typeface="Times New Roman" panose="02020603050405020304" pitchFamily="18" charset="0"/>
+            </a:endParaRPr>
+          </a:p>
+        </p:txBody>
+      </p:sp>
+    </p:spTree>
+    <p:extLst>
+      <p:ext uri="{BB962C8B-B14F-4D97-AF65-F5344CB8AC3E}">
+        <p14:creationId xmlns:p14="http://schemas.microsoft.com/office/powerpoint/2010/main" val="1151351696"/>
+      </p:ext>
+    </p:extLst>
+  </p:cSld>
+  <p:clrMapOvr>
+    <a:masterClrMapping/>
+  </p:clrMapOvr>
+</p:sld>
+</file>
+
 <file path=ppt/slides/slide2.xml><?xml version="1.0" encoding="utf-8"?>
 <p:sld xmlns:a="http://schemas.openxmlformats.org/drawingml/2006/main" xmlns:r="http://schemas.openxmlformats.org/officeDocument/2006/relationships" xmlns:p="http://schemas.openxmlformats.org/presentationml/2006/main">
   <p:cSld>
@@ -4123,6 +4784,61 @@
         <p:txBody>
           <a:bodyPr/>
           <a:lstStyle/>
+          <a:p>
+            <a:r>
+              <a:rPr lang="da-DK" dirty="0" err="1">
+                <a:latin typeface="Times New Roman" panose="02020603050405020304" pitchFamily="18" charset="0"/>
+                <a:cs typeface="Times New Roman" panose="02020603050405020304" pitchFamily="18" charset="0"/>
+              </a:rPr>
+              <a:t>Goal</a:t>
+            </a:r>
+            <a:r>
+              <a:rPr lang="da-DK" dirty="0">
+                <a:latin typeface="Times New Roman" panose="02020603050405020304" pitchFamily="18" charset="0"/>
+                <a:cs typeface="Times New Roman" panose="02020603050405020304" pitchFamily="18" charset="0"/>
+              </a:rPr>
+              <a:t>: Understand </a:t>
+            </a:r>
+            <a:r>
+              <a:rPr lang="da-DK" dirty="0" err="1">
+                <a:latin typeface="Times New Roman" panose="02020603050405020304" pitchFamily="18" charset="0"/>
+                <a:cs typeface="Times New Roman" panose="02020603050405020304" pitchFamily="18" charset="0"/>
+              </a:rPr>
+              <a:t>Molecular</a:t>
+            </a:r>
+            <a:r>
+              <a:rPr lang="da-DK" dirty="0">
+                <a:latin typeface="Times New Roman" panose="02020603050405020304" pitchFamily="18" charset="0"/>
+                <a:cs typeface="Times New Roman" panose="02020603050405020304" pitchFamily="18" charset="0"/>
+              </a:rPr>
+              <a:t> </a:t>
+            </a:r>
+            <a:r>
+              <a:rPr lang="da-DK" dirty="0" err="1">
+                <a:latin typeface="Times New Roman" panose="02020603050405020304" pitchFamily="18" charset="0"/>
+                <a:cs typeface="Times New Roman" panose="02020603050405020304" pitchFamily="18" charset="0"/>
+              </a:rPr>
+              <a:t>graphs</a:t>
+            </a:r>
+            <a:r>
+              <a:rPr lang="da-DK" dirty="0">
+                <a:latin typeface="Times New Roman" panose="02020603050405020304" pitchFamily="18" charset="0"/>
+                <a:cs typeface="Times New Roman" panose="02020603050405020304" pitchFamily="18" charset="0"/>
+              </a:rPr>
+              <a:t> &amp; </a:t>
+            </a:r>
+            <a:r>
+              <a:rPr lang="da-DK" dirty="0" err="1">
+                <a:latin typeface="Times New Roman" panose="02020603050405020304" pitchFamily="18" charset="0"/>
+                <a:cs typeface="Times New Roman" panose="02020603050405020304" pitchFamily="18" charset="0"/>
+              </a:rPr>
+              <a:t>usages</a:t>
+            </a:r>
+            <a:endParaRPr lang="da-DK" dirty="0">
+              <a:latin typeface="Times New Roman" panose="02020603050405020304" pitchFamily="18" charset="0"/>
+              <a:cs typeface="Times New Roman" panose="02020603050405020304" pitchFamily="18" charset="0"/>
+            </a:endParaRPr>
+          </a:p>
           <a:p>
             <a:r>
               <a:rPr lang="da-DK" dirty="0" err="1">
@@ -4394,24 +5110,6 @@
           </a:p>
           <a:p>
             <a:r>
-              <a:rPr lang="en-US" dirty="0" err="1">
-                <a:latin typeface="Times New Roman" panose="02020603050405020304" pitchFamily="18" charset="0"/>
-                <a:cs typeface="Times New Roman" panose="02020603050405020304" pitchFamily="18" charset="0"/>
-                <a:sym typeface="Wingdings" panose="05000000000000000000" pitchFamily="2" charset="2"/>
-              </a:rPr>
-              <a:t>PairwiseDistanceMatrix</a:t>
-            </a:r>
-            <a:r>
-              <a:rPr lang="en-US" dirty="0">
-                <a:latin typeface="Times New Roman" panose="02020603050405020304" pitchFamily="18" charset="0"/>
-                <a:cs typeface="Times New Roman" panose="02020603050405020304" pitchFamily="18" charset="0"/>
-                <a:sym typeface="Wingdings" panose="05000000000000000000" pitchFamily="2" charset="2"/>
-              </a:rPr>
-              <a:t> – Spectrum</a:t>
-            </a:r>
-          </a:p>
-          <a:p>
-            <a:r>
               <a:rPr lang="en-US" dirty="0">
                 <a:latin typeface="Times New Roman" panose="02020603050405020304" pitchFamily="18" charset="0"/>
                 <a:cs typeface="Times New Roman" panose="02020603050405020304" pitchFamily="18" charset="0"/>
@@ -4495,18 +5193,30 @@
           <a:lstStyle/>
           <a:p>
             <a:r>
-              <a:rPr lang="da-DK" dirty="0" err="1"/>
+              <a:rPr lang="da-DK" dirty="0" err="1">
+                <a:latin typeface="Times New Roman" panose="02020603050405020304" pitchFamily="18" charset="0"/>
+                <a:cs typeface="Times New Roman" panose="02020603050405020304" pitchFamily="18" charset="0"/>
+              </a:rPr>
               <a:t>Introduction</a:t>
             </a:r>
             <a:r>
-              <a:rPr lang="da-DK" dirty="0"/>
+              <a:rPr lang="da-DK" dirty="0">
+                <a:latin typeface="Times New Roman" panose="02020603050405020304" pitchFamily="18" charset="0"/>
+                <a:cs typeface="Times New Roman" panose="02020603050405020304" pitchFamily="18" charset="0"/>
+              </a:rPr>
               <a:t> to </a:t>
             </a:r>
             <a:r>
-              <a:rPr lang="da-DK" dirty="0" err="1"/>
+              <a:rPr lang="da-DK" dirty="0" err="1">
+                <a:latin typeface="Times New Roman" panose="02020603050405020304" pitchFamily="18" charset="0"/>
+                <a:cs typeface="Times New Roman" panose="02020603050405020304" pitchFamily="18" charset="0"/>
+              </a:rPr>
               <a:t>graphs</a:t>
             </a:r>
-            <a:endParaRPr lang="da-DK" dirty="0"/>
+            <a:endParaRPr lang="da-DK" dirty="0">
+              <a:latin typeface="Times New Roman" panose="02020603050405020304" pitchFamily="18" charset="0"/>
+              <a:cs typeface="Times New Roman" panose="02020603050405020304" pitchFamily="18" charset="0"/>
+            </a:endParaRPr>
           </a:p>
         </p:txBody>
       </p:sp>

--- a/Portfolio-slides/Molecular graphs.pptx
+++ b/Portfolio-slides/Molecular graphs.pptx
@@ -272,7 +272,7 @@
           <a:p>
             <a:fld id="{7B73EA61-29F4-6E45-B2B5-AA1D16AC5CCD}" type="datetimeFigureOut">
               <a:rPr lang="da-DK" smtClean="0"/>
-              <a:t>04-01-2025</a:t>
+              <a:t>06-01-2025</a:t>
             </a:fld>
             <a:endParaRPr lang="da-DK"/>
           </a:p>
@@ -470,7 +470,7 @@
           <a:p>
             <a:fld id="{7B73EA61-29F4-6E45-B2B5-AA1D16AC5CCD}" type="datetimeFigureOut">
               <a:rPr lang="da-DK" smtClean="0"/>
-              <a:t>04-01-2025</a:t>
+              <a:t>06-01-2025</a:t>
             </a:fld>
             <a:endParaRPr lang="da-DK"/>
           </a:p>
@@ -678,7 +678,7 @@
           <a:p>
             <a:fld id="{7B73EA61-29F4-6E45-B2B5-AA1D16AC5CCD}" type="datetimeFigureOut">
               <a:rPr lang="da-DK" smtClean="0"/>
-              <a:t>04-01-2025</a:t>
+              <a:t>06-01-2025</a:t>
             </a:fld>
             <a:endParaRPr lang="da-DK"/>
           </a:p>
@@ -876,7 +876,7 @@
           <a:p>
             <a:fld id="{7B73EA61-29F4-6E45-B2B5-AA1D16AC5CCD}" type="datetimeFigureOut">
               <a:rPr lang="da-DK" smtClean="0"/>
-              <a:t>04-01-2025</a:t>
+              <a:t>06-01-2025</a:t>
             </a:fld>
             <a:endParaRPr lang="da-DK"/>
           </a:p>
@@ -1151,7 +1151,7 @@
           <a:p>
             <a:fld id="{7B73EA61-29F4-6E45-B2B5-AA1D16AC5CCD}" type="datetimeFigureOut">
               <a:rPr lang="da-DK" smtClean="0"/>
-              <a:t>04-01-2025</a:t>
+              <a:t>06-01-2025</a:t>
             </a:fld>
             <a:endParaRPr lang="da-DK"/>
           </a:p>
@@ -1416,7 +1416,7 @@
           <a:p>
             <a:fld id="{7B73EA61-29F4-6E45-B2B5-AA1D16AC5CCD}" type="datetimeFigureOut">
               <a:rPr lang="da-DK" smtClean="0"/>
-              <a:t>04-01-2025</a:t>
+              <a:t>06-01-2025</a:t>
             </a:fld>
             <a:endParaRPr lang="da-DK"/>
           </a:p>
@@ -1828,7 +1828,7 @@
           <a:p>
             <a:fld id="{7B73EA61-29F4-6E45-B2B5-AA1D16AC5CCD}" type="datetimeFigureOut">
               <a:rPr lang="da-DK" smtClean="0"/>
-              <a:t>04-01-2025</a:t>
+              <a:t>06-01-2025</a:t>
             </a:fld>
             <a:endParaRPr lang="da-DK"/>
           </a:p>
@@ -1969,7 +1969,7 @@
           <a:p>
             <a:fld id="{7B73EA61-29F4-6E45-B2B5-AA1D16AC5CCD}" type="datetimeFigureOut">
               <a:rPr lang="da-DK" smtClean="0"/>
-              <a:t>04-01-2025</a:t>
+              <a:t>06-01-2025</a:t>
             </a:fld>
             <a:endParaRPr lang="da-DK"/>
           </a:p>
@@ -2082,7 +2082,7 @@
           <a:p>
             <a:fld id="{7B73EA61-29F4-6E45-B2B5-AA1D16AC5CCD}" type="datetimeFigureOut">
               <a:rPr lang="da-DK" smtClean="0"/>
-              <a:t>04-01-2025</a:t>
+              <a:t>06-01-2025</a:t>
             </a:fld>
             <a:endParaRPr lang="da-DK"/>
           </a:p>
@@ -2393,7 +2393,7 @@
           <a:p>
             <a:fld id="{7B73EA61-29F4-6E45-B2B5-AA1D16AC5CCD}" type="datetimeFigureOut">
               <a:rPr lang="da-DK" smtClean="0"/>
-              <a:t>04-01-2025</a:t>
+              <a:t>06-01-2025</a:t>
             </a:fld>
             <a:endParaRPr lang="da-DK"/>
           </a:p>
@@ -2681,7 +2681,7 @@
           <a:p>
             <a:fld id="{7B73EA61-29F4-6E45-B2B5-AA1D16AC5CCD}" type="datetimeFigureOut">
               <a:rPr lang="da-DK" smtClean="0"/>
-              <a:t>04-01-2025</a:t>
+              <a:t>06-01-2025</a:t>
             </a:fld>
             <a:endParaRPr lang="da-DK"/>
           </a:p>
@@ -2922,7 +2922,7 @@
           <a:p>
             <a:fld id="{7B73EA61-29F4-6E45-B2B5-AA1D16AC5CCD}" type="datetimeFigureOut">
               <a:rPr lang="da-DK" smtClean="0"/>
-              <a:t>04-01-2025</a:t>
+              <a:t>06-01-2025</a:t>
             </a:fld>
             <a:endParaRPr lang="da-DK"/>
           </a:p>
@@ -5027,55 +5027,60 @@
             <p:ph type="title"/>
           </p:nvPr>
         </p:nvSpPr>
-        <p:spPr/>
-        <p:txBody>
-          <a:bodyPr/>
-          <a:lstStyle/>
-          <a:p>
-            <a:r>
-              <a:rPr lang="da-DK" dirty="0" err="1">
-                <a:latin typeface="Times New Roman" panose="02020603050405020304" pitchFamily="18" charset="0"/>
-                <a:cs typeface="Times New Roman" panose="02020603050405020304" pitchFamily="18" charset="0"/>
-              </a:rPr>
-              <a:t>Introduction</a:t>
-            </a:r>
-            <a:r>
-              <a:rPr lang="da-DK" dirty="0">
-                <a:latin typeface="Times New Roman" panose="02020603050405020304" pitchFamily="18" charset="0"/>
-                <a:cs typeface="Times New Roman" panose="02020603050405020304" pitchFamily="18" charset="0"/>
-              </a:rPr>
-              <a:t> to </a:t>
-            </a:r>
-            <a:r>
-              <a:rPr lang="da-DK" dirty="0" err="1">
-                <a:latin typeface="Times New Roman" panose="02020603050405020304" pitchFamily="18" charset="0"/>
-                <a:cs typeface="Times New Roman" panose="02020603050405020304" pitchFamily="18" charset="0"/>
-              </a:rPr>
-              <a:t>graphs</a:t>
-            </a:r>
-            <a:endParaRPr lang="da-DK" dirty="0"/>
-          </a:p>
-        </p:txBody>
-      </p:sp>
-      <p:sp>
-        <p:nvSpPr>
-          <p:cNvPr id="3" name="Pladsholder til indhold 2">
-            <a:extLst>
-              <a:ext uri="{FF2B5EF4-FFF2-40B4-BE49-F238E27FC236}">
-                <a16:creationId xmlns:a16="http://schemas.microsoft.com/office/drawing/2014/main" id="{141230C2-2531-4788-C0B4-9ED2C64AF2B8}"/>
-              </a:ext>
-            </a:extLst>
-          </p:cNvPr>
-          <p:cNvSpPr>
-            <a:spLocks noGrp="1"/>
-          </p:cNvSpPr>
-          <p:nvPr>
-            <p:ph idx="1"/>
-          </p:nvPr>
-        </p:nvSpPr>
         <p:spPr>
           <a:xfrm>
-            <a:off x="177297" y="1690688"/>
+            <a:off x="838199" y="-207997"/>
+            <a:ext cx="10515600" cy="1325563"/>
+          </a:xfrm>
+        </p:spPr>
+        <p:txBody>
+          <a:bodyPr/>
+          <a:lstStyle/>
+          <a:p>
+            <a:r>
+              <a:rPr lang="da-DK" dirty="0" err="1">
+                <a:latin typeface="Times New Roman" panose="02020603050405020304" pitchFamily="18" charset="0"/>
+                <a:cs typeface="Times New Roman" panose="02020603050405020304" pitchFamily="18" charset="0"/>
+              </a:rPr>
+              <a:t>Introduction</a:t>
+            </a:r>
+            <a:r>
+              <a:rPr lang="da-DK" dirty="0">
+                <a:latin typeface="Times New Roman" panose="02020603050405020304" pitchFamily="18" charset="0"/>
+                <a:cs typeface="Times New Roman" panose="02020603050405020304" pitchFamily="18" charset="0"/>
+              </a:rPr>
+              <a:t> to </a:t>
+            </a:r>
+            <a:r>
+              <a:rPr lang="da-DK" dirty="0" err="1">
+                <a:latin typeface="Times New Roman" panose="02020603050405020304" pitchFamily="18" charset="0"/>
+                <a:cs typeface="Times New Roman" panose="02020603050405020304" pitchFamily="18" charset="0"/>
+              </a:rPr>
+              <a:t>graphs</a:t>
+            </a:r>
+            <a:endParaRPr lang="da-DK" dirty="0"/>
+          </a:p>
+        </p:txBody>
+      </p:sp>
+      <p:sp>
+        <p:nvSpPr>
+          <p:cNvPr id="3" name="Pladsholder til indhold 2">
+            <a:extLst>
+              <a:ext uri="{FF2B5EF4-FFF2-40B4-BE49-F238E27FC236}">
+                <a16:creationId xmlns:a16="http://schemas.microsoft.com/office/drawing/2014/main" id="{141230C2-2531-4788-C0B4-9ED2C64AF2B8}"/>
+              </a:ext>
+            </a:extLst>
+          </p:cNvPr>
+          <p:cNvSpPr>
+            <a:spLocks noGrp="1"/>
+          </p:cNvSpPr>
+          <p:nvPr>
+            <p:ph idx="1"/>
+          </p:nvPr>
+        </p:nvSpPr>
+        <p:spPr>
+          <a:xfrm>
+            <a:off x="190176" y="814925"/>
             <a:ext cx="7862180" cy="4351338"/>
           </a:xfrm>
         </p:spPr>
@@ -5141,6 +5146,36 @@
           </a:p>
         </p:txBody>
       </p:sp>
+      <p:pic>
+        <p:nvPicPr>
+          <p:cNvPr id="4" name="Billede 3">
+            <a:extLst>
+              <a:ext uri="{FF2B5EF4-FFF2-40B4-BE49-F238E27FC236}">
+                <a16:creationId xmlns:a16="http://schemas.microsoft.com/office/drawing/2014/main" id="{85A00C1F-85D6-7313-D735-49453B820789}"/>
+              </a:ext>
+            </a:extLst>
+          </p:cNvPr>
+          <p:cNvPicPr>
+            <a:picLocks noChangeAspect="1"/>
+          </p:cNvPicPr>
+          <p:nvPr/>
+        </p:nvPicPr>
+        <p:blipFill>
+          <a:blip r:embed="rId2"/>
+          <a:stretch>
+            <a:fillRect/>
+          </a:stretch>
+        </p:blipFill>
+        <p:spPr>
+          <a:xfrm>
+            <a:off x="302652" y="4123860"/>
+            <a:ext cx="11586693" cy="2553836"/>
+          </a:xfrm>
+          <a:prstGeom prst="rect">
+            <a:avLst/>
+          </a:prstGeom>
+        </p:spPr>
+      </p:pic>
     </p:spTree>
     <p:extLst>
       <p:ext uri="{BB962C8B-B14F-4D97-AF65-F5344CB8AC3E}">

--- a/Portfolio-slides/Molecular graphs.pptx
+++ b/Portfolio-slides/Molecular graphs.pptx
@@ -272,7 +272,7 @@
           <a:p>
             <a:fld id="{7B73EA61-29F4-6E45-B2B5-AA1D16AC5CCD}" type="datetimeFigureOut">
               <a:rPr lang="da-DK" smtClean="0"/>
-              <a:t>06-01-2025</a:t>
+              <a:t>07-01-2025</a:t>
             </a:fld>
             <a:endParaRPr lang="da-DK"/>
           </a:p>
@@ -470,7 +470,7 @@
           <a:p>
             <a:fld id="{7B73EA61-29F4-6E45-B2B5-AA1D16AC5CCD}" type="datetimeFigureOut">
               <a:rPr lang="da-DK" smtClean="0"/>
-              <a:t>06-01-2025</a:t>
+              <a:t>07-01-2025</a:t>
             </a:fld>
             <a:endParaRPr lang="da-DK"/>
           </a:p>
@@ -678,7 +678,7 @@
           <a:p>
             <a:fld id="{7B73EA61-29F4-6E45-B2B5-AA1D16AC5CCD}" type="datetimeFigureOut">
               <a:rPr lang="da-DK" smtClean="0"/>
-              <a:t>06-01-2025</a:t>
+              <a:t>07-01-2025</a:t>
             </a:fld>
             <a:endParaRPr lang="da-DK"/>
           </a:p>
@@ -876,7 +876,7 @@
           <a:p>
             <a:fld id="{7B73EA61-29F4-6E45-B2B5-AA1D16AC5CCD}" type="datetimeFigureOut">
               <a:rPr lang="da-DK" smtClean="0"/>
-              <a:t>06-01-2025</a:t>
+              <a:t>07-01-2025</a:t>
             </a:fld>
             <a:endParaRPr lang="da-DK"/>
           </a:p>
@@ -1151,7 +1151,7 @@
           <a:p>
             <a:fld id="{7B73EA61-29F4-6E45-B2B5-AA1D16AC5CCD}" type="datetimeFigureOut">
               <a:rPr lang="da-DK" smtClean="0"/>
-              <a:t>06-01-2025</a:t>
+              <a:t>07-01-2025</a:t>
             </a:fld>
             <a:endParaRPr lang="da-DK"/>
           </a:p>
@@ -1416,7 +1416,7 @@
           <a:p>
             <a:fld id="{7B73EA61-29F4-6E45-B2B5-AA1D16AC5CCD}" type="datetimeFigureOut">
               <a:rPr lang="da-DK" smtClean="0"/>
-              <a:t>06-01-2025</a:t>
+              <a:t>07-01-2025</a:t>
             </a:fld>
             <a:endParaRPr lang="da-DK"/>
           </a:p>
@@ -1828,7 +1828,7 @@
           <a:p>
             <a:fld id="{7B73EA61-29F4-6E45-B2B5-AA1D16AC5CCD}" type="datetimeFigureOut">
               <a:rPr lang="da-DK" smtClean="0"/>
-              <a:t>06-01-2025</a:t>
+              <a:t>07-01-2025</a:t>
             </a:fld>
             <a:endParaRPr lang="da-DK"/>
           </a:p>
@@ -1969,7 +1969,7 @@
           <a:p>
             <a:fld id="{7B73EA61-29F4-6E45-B2B5-AA1D16AC5CCD}" type="datetimeFigureOut">
               <a:rPr lang="da-DK" smtClean="0"/>
-              <a:t>06-01-2025</a:t>
+              <a:t>07-01-2025</a:t>
             </a:fld>
             <a:endParaRPr lang="da-DK"/>
           </a:p>
@@ -2082,7 +2082,7 @@
           <a:p>
             <a:fld id="{7B73EA61-29F4-6E45-B2B5-AA1D16AC5CCD}" type="datetimeFigureOut">
               <a:rPr lang="da-DK" smtClean="0"/>
-              <a:t>06-01-2025</a:t>
+              <a:t>07-01-2025</a:t>
             </a:fld>
             <a:endParaRPr lang="da-DK"/>
           </a:p>
@@ -2393,7 +2393,7 @@
           <a:p>
             <a:fld id="{7B73EA61-29F4-6E45-B2B5-AA1D16AC5CCD}" type="datetimeFigureOut">
               <a:rPr lang="da-DK" smtClean="0"/>
-              <a:t>06-01-2025</a:t>
+              <a:t>07-01-2025</a:t>
             </a:fld>
             <a:endParaRPr lang="da-DK"/>
           </a:p>
@@ -2681,7 +2681,7 @@
           <a:p>
             <a:fld id="{7B73EA61-29F4-6E45-B2B5-AA1D16AC5CCD}" type="datetimeFigureOut">
               <a:rPr lang="da-DK" smtClean="0"/>
-              <a:t>06-01-2025</a:t>
+              <a:t>07-01-2025</a:t>
             </a:fld>
             <a:endParaRPr lang="da-DK"/>
           </a:p>
@@ -2922,7 +2922,7 @@
           <a:p>
             <a:fld id="{7B73EA61-29F4-6E45-B2B5-AA1D16AC5CCD}" type="datetimeFigureOut">
               <a:rPr lang="da-DK" smtClean="0"/>
-              <a:t>06-01-2025</a:t>
+              <a:t>07-01-2025</a:t>
             </a:fld>
             <a:endParaRPr lang="da-DK"/>
           </a:p>
@@ -5491,35 +5491,6 @@
           <a:bodyPr/>
           <a:lstStyle/>
           <a:p>
-            <a:r>
-              <a:rPr lang="da-DK" dirty="0">
-                <a:latin typeface="Times New Roman" panose="02020603050405020304" pitchFamily="18" charset="0"/>
-                <a:cs typeface="Times New Roman" panose="02020603050405020304" pitchFamily="18" charset="0"/>
-              </a:rPr>
-              <a:t>Idea from </a:t>
-            </a:r>
-            <a:r>
-              <a:rPr lang="da-DK" dirty="0" err="1">
-                <a:latin typeface="Times New Roman" panose="02020603050405020304" pitchFamily="18" charset="0"/>
-                <a:cs typeface="Times New Roman" panose="02020603050405020304" pitchFamily="18" charset="0"/>
-              </a:rPr>
-              <a:t>PairWiseDistanceMatrix</a:t>
-            </a:r>
-            <a:r>
-              <a:rPr lang="da-DK" dirty="0">
-                <a:latin typeface="Times New Roman" panose="02020603050405020304" pitchFamily="18" charset="0"/>
-                <a:cs typeface="Times New Roman" panose="02020603050405020304" pitchFamily="18" charset="0"/>
-              </a:rPr>
-              <a:t> </a:t>
-            </a:r>
-            <a:r>
-              <a:rPr lang="da-DK" dirty="0">
-                <a:latin typeface="Times New Roman" panose="02020603050405020304" pitchFamily="18" charset="0"/>
-                <a:cs typeface="Times New Roman" panose="02020603050405020304" pitchFamily="18" charset="0"/>
-                <a:sym typeface="Wingdings" panose="05000000000000000000" pitchFamily="2" charset="2"/>
-              </a:rPr>
-              <a:t> </a:t>
-            </a:r>
             <a:r>
               <a:rPr lang="da-DK" dirty="0" err="1">
                 <a:latin typeface="Times New Roman" panose="02020603050405020304" pitchFamily="18" charset="0"/>
